--- a/presentacion.pptx
+++ b/presentacion.pptx
@@ -139,6 +139,14 @@
       </a:defRPr>
     </a:lvl9pPr>
   </p:defaultTextStyle>
+  <p:extLst>
+    <p:ext uri="{EFAFB233-063F-42B5-8137-9DF3F51BA10A}">
+      <p15:sldGuideLst xmlns:p15="http://schemas.microsoft.com/office/powerpoint/2012/main"/>
+    </p:ext>
+    <p:ext uri="{2D200454-40CA-4A62-9FC3-DE9A4176ACB9}">
+      <p15:notesGuideLst xmlns:p15="http://schemas.microsoft.com/office/powerpoint/2012/main"/>
+    </p:ext>
+  </p:extLst>
 </p:presentation>
 </file>
 
@@ -171,19 +179,22 @@
         </p:nvSpPr>
         <p:spPr>
           <a:xfrm>
-            <a:off x="685800" y="2130425"/>
+            <a:off x="2209800" y="925468"/>
             <a:ext cx="7772400" cy="1470025"/>
           </a:xfrm>
         </p:spPr>
         <p:txBody>
           <a:bodyPr/>
-          <a:lstStyle/>
-          <a:p>
-            <a:r>
-              <a:rPr lang="en-US" smtClean="0"/>
+          <a:lstStyle>
+            <a:lvl1pPr algn="ctr">
+              <a:defRPr/>
+            </a:lvl1pPr>
+          </a:lstStyle>
+          <a:p>
+            <a:r>
+              <a:rPr lang="en-US" dirty="0"/>
               <a:t>Click to edit Master title style</a:t>
             </a:r>
-            <a:endParaRPr lang="en-US"/>
           </a:p>
         </p:txBody>
       </p:sp>
@@ -199,7 +210,7 @@
         </p:nvSpPr>
         <p:spPr>
           <a:xfrm>
-            <a:off x="1371600" y="3886200"/>
+            <a:off x="2895600" y="3074349"/>
             <a:ext cx="6400800" cy="1752600"/>
           </a:xfrm>
         </p:spPr>
@@ -299,10 +310,9 @@
           </a:lstStyle>
           <a:p>
             <a:r>
-              <a:rPr lang="en-US" smtClean="0"/>
+              <a:rPr lang="en-US" dirty="0"/>
               <a:t>Click to edit Master subtitle style</a:t>
             </a:r>
-            <a:endParaRPr lang="en-US"/>
           </a:p>
         </p:txBody>
       </p:sp>
@@ -323,9 +333,9 @@
           <a:p>
             <a:fld id="{241EB5C9-1307-BA42-ABA2-0BC069CD8E7F}" type="datetimeFigureOut">
               <a:rPr lang="en-US" smtClean="0"/>
-              <a:t>4/5/2019</a:t>
+              <a:t>4/4/2022</a:t>
             </a:fld>
-            <a:endParaRPr lang="en-US"/>
+            <a:endParaRPr lang="en-US" dirty="0"/>
           </a:p>
         </p:txBody>
       </p:sp>
@@ -344,7 +354,7 @@
           <a:bodyPr/>
           <a:lstStyle/>
           <a:p>
-            <a:endParaRPr lang="en-US"/>
+            <a:endParaRPr lang="en-US" dirty="0"/>
           </a:p>
         </p:txBody>
       </p:sp>
@@ -365,9 +375,145 @@
           <a:p>
             <a:fld id="{C5EF2332-01BF-834F-8236-50238282D533}" type="slidenum">
               <a:rPr lang="en-US" smtClean="0"/>
-              <a:t>‹#›</a:t>
+              <a:t>‹Nº›</a:t>
             </a:fld>
             <a:endParaRPr lang="en-US"/>
+          </a:p>
+        </p:txBody>
+      </p:sp>
+      <p:sp>
+        <p:nvSpPr>
+          <p:cNvPr id="7" name="Marcador de número de diapositiva 5">
+            <a:extLst>
+              <a:ext uri="{FF2B5EF4-FFF2-40B4-BE49-F238E27FC236}">
+                <a16:creationId xmlns:a16="http://schemas.microsoft.com/office/drawing/2014/main" id="{9DB67E83-6FE0-42DC-8D36-3E8353BFB776}"/>
+              </a:ext>
+            </a:extLst>
+          </p:cNvPr>
+          <p:cNvSpPr txBox="1">
+            <a:spLocks/>
+          </p:cNvSpPr>
+          <p:nvPr userDrawn="1"/>
+        </p:nvSpPr>
+        <p:spPr>
+          <a:xfrm>
+            <a:off x="7829550" y="6356350"/>
+            <a:ext cx="3524250" cy="365125"/>
+          </a:xfrm>
+          <a:prstGeom prst="rect">
+            <a:avLst/>
+          </a:prstGeom>
+        </p:spPr>
+        <p:txBody>
+          <a:bodyPr vert="horz" lIns="91440" tIns="45720" rIns="91440" bIns="45720" rtlCol="0" anchor="ctr"/>
+          <a:lstStyle>
+            <a:defPPr>
+              <a:defRPr lang="es-MX"/>
+            </a:defPPr>
+            <a:lvl1pPr marL="0" algn="r" defTabSz="914400" rtl="0" eaLnBrk="1" latinLnBrk="0" hangingPunct="1">
+              <a:defRPr sz="1200" kern="1200">
+                <a:solidFill>
+                  <a:schemeClr val="tx1">
+                    <a:tint val="75000"/>
+                  </a:schemeClr>
+                </a:solidFill>
+                <a:latin typeface="+mn-lt"/>
+                <a:ea typeface="+mn-ea"/>
+                <a:cs typeface="+mn-cs"/>
+              </a:defRPr>
+            </a:lvl1pPr>
+            <a:lvl2pPr marL="457200" algn="l" defTabSz="914400" rtl="0" eaLnBrk="1" latinLnBrk="0" hangingPunct="1">
+              <a:defRPr sz="1800" kern="1200">
+                <a:solidFill>
+                  <a:schemeClr val="tx1"/>
+                </a:solidFill>
+                <a:latin typeface="+mn-lt"/>
+                <a:ea typeface="+mn-ea"/>
+                <a:cs typeface="+mn-cs"/>
+              </a:defRPr>
+            </a:lvl2pPr>
+            <a:lvl3pPr marL="914400" algn="l" defTabSz="914400" rtl="0" eaLnBrk="1" latinLnBrk="0" hangingPunct="1">
+              <a:defRPr sz="1800" kern="1200">
+                <a:solidFill>
+                  <a:schemeClr val="tx1"/>
+                </a:solidFill>
+                <a:latin typeface="+mn-lt"/>
+                <a:ea typeface="+mn-ea"/>
+                <a:cs typeface="+mn-cs"/>
+              </a:defRPr>
+            </a:lvl3pPr>
+            <a:lvl4pPr marL="1371600" algn="l" defTabSz="914400" rtl="0" eaLnBrk="1" latinLnBrk="0" hangingPunct="1">
+              <a:defRPr sz="1800" kern="1200">
+                <a:solidFill>
+                  <a:schemeClr val="tx1"/>
+                </a:solidFill>
+                <a:latin typeface="+mn-lt"/>
+                <a:ea typeface="+mn-ea"/>
+                <a:cs typeface="+mn-cs"/>
+              </a:defRPr>
+            </a:lvl4pPr>
+            <a:lvl5pPr marL="1828800" algn="l" defTabSz="914400" rtl="0" eaLnBrk="1" latinLnBrk="0" hangingPunct="1">
+              <a:defRPr sz="1800" kern="1200">
+                <a:solidFill>
+                  <a:schemeClr val="tx1"/>
+                </a:solidFill>
+                <a:latin typeface="+mn-lt"/>
+                <a:ea typeface="+mn-ea"/>
+                <a:cs typeface="+mn-cs"/>
+              </a:defRPr>
+            </a:lvl5pPr>
+            <a:lvl6pPr marL="2286000" algn="l" defTabSz="914400" rtl="0" eaLnBrk="1" latinLnBrk="0" hangingPunct="1">
+              <a:defRPr sz="1800" kern="1200">
+                <a:solidFill>
+                  <a:schemeClr val="tx1"/>
+                </a:solidFill>
+                <a:latin typeface="+mn-lt"/>
+                <a:ea typeface="+mn-ea"/>
+                <a:cs typeface="+mn-cs"/>
+              </a:defRPr>
+            </a:lvl6pPr>
+            <a:lvl7pPr marL="2743200" algn="l" defTabSz="914400" rtl="0" eaLnBrk="1" latinLnBrk="0" hangingPunct="1">
+              <a:defRPr sz="1800" kern="1200">
+                <a:solidFill>
+                  <a:schemeClr val="tx1"/>
+                </a:solidFill>
+                <a:latin typeface="+mn-lt"/>
+                <a:ea typeface="+mn-ea"/>
+                <a:cs typeface="+mn-cs"/>
+              </a:defRPr>
+            </a:lvl7pPr>
+            <a:lvl8pPr marL="3200400" algn="l" defTabSz="914400" rtl="0" eaLnBrk="1" latinLnBrk="0" hangingPunct="1">
+              <a:defRPr sz="1800" kern="1200">
+                <a:solidFill>
+                  <a:schemeClr val="tx1"/>
+                </a:solidFill>
+                <a:latin typeface="+mn-lt"/>
+                <a:ea typeface="+mn-ea"/>
+                <a:cs typeface="+mn-cs"/>
+              </a:defRPr>
+            </a:lvl8pPr>
+            <a:lvl9pPr marL="3657600" algn="l" defTabSz="914400" rtl="0" eaLnBrk="1" latinLnBrk="0" hangingPunct="1">
+              <a:defRPr sz="1800" kern="1200">
+                <a:solidFill>
+                  <a:schemeClr val="tx1"/>
+                </a:solidFill>
+                <a:latin typeface="+mn-lt"/>
+                <a:ea typeface="+mn-ea"/>
+                <a:cs typeface="+mn-cs"/>
+              </a:defRPr>
+            </a:lvl9pPr>
+          </a:lstStyle>
+          <a:p>
+            <a:r>
+              <a:rPr lang="es-MX" sz="1800" b="1" dirty="0">
+                <a:solidFill>
+                  <a:srgbClr val="86358B"/>
+                </a:solidFill>
+                <a:latin typeface="LMRoman10-Bold"/>
+              </a:rPr>
+              <a:t>Tonatiuh Bravo Padilla | Regidor</a:t>
+            </a:r>
+            <a:endParaRPr lang="es-MX" dirty="0"/>
           </a:p>
         </p:txBody>
       </p:sp>
@@ -406,7 +552,7 @@
           <p:cNvPr id="2" name="Título 1">
             <a:extLst>
               <a:ext uri="{FF2B5EF4-FFF2-40B4-BE49-F238E27FC236}">
-                <a16:creationId xmlns:a16="http://schemas.microsoft.com/office/drawing/2014/main" id="{493342DF-1AC3-4B9C-9274-346BC7DA24D5}"/>
+                <a16:creationId xmlns:a16="http://schemas.microsoft.com/office/drawing/2014/main" id="{6B924634-9486-4F5A-BD53-D9AEA038B525}"/>
               </a:ext>
             </a:extLst>
           </p:cNvPr>
@@ -435,7 +581,7 @@
           <p:cNvPr id="3" name="Marcador de texto vertical 2">
             <a:extLst>
               <a:ext uri="{FF2B5EF4-FFF2-40B4-BE49-F238E27FC236}">
-                <a16:creationId xmlns:a16="http://schemas.microsoft.com/office/drawing/2014/main" id="{2B3E3438-FE5A-43B8-94E4-DFCAA85922AD}"/>
+                <a16:creationId xmlns:a16="http://schemas.microsoft.com/office/drawing/2014/main" id="{8573D0B4-0AD6-4EF8-80E3-537E6B1E33B9}"/>
               </a:ext>
             </a:extLst>
           </p:cNvPr>
@@ -493,7 +639,7 @@
           <p:cNvPr id="4" name="Marcador de fecha 3">
             <a:extLst>
               <a:ext uri="{FF2B5EF4-FFF2-40B4-BE49-F238E27FC236}">
-                <a16:creationId xmlns:a16="http://schemas.microsoft.com/office/drawing/2014/main" id="{8523C3B6-888E-4F1C-BFC7-07441778077A}"/>
+                <a16:creationId xmlns:a16="http://schemas.microsoft.com/office/drawing/2014/main" id="{86CB6880-A25F-403F-9180-F35DBB0755C9}"/>
               </a:ext>
             </a:extLst>
           </p:cNvPr>
@@ -504,14 +650,22 @@
             <p:ph type="dt" sz="half" idx="10"/>
           </p:nvPr>
         </p:nvSpPr>
-        <p:spPr/>
+        <p:spPr>
+          <a:xfrm>
+            <a:off x="838200" y="6356350"/>
+            <a:ext cx="2743200" cy="365125"/>
+          </a:xfrm>
+          <a:prstGeom prst="rect">
+            <a:avLst/>
+          </a:prstGeom>
+        </p:spPr>
         <p:txBody>
           <a:bodyPr/>
           <a:lstStyle/>
           <a:p>
-            <a:fld id="{736545F3-8D3D-4D05-8A54-09E52B7ADA46}" type="datetimeFigureOut">
+            <a:fld id="{E23B9695-3AEE-4E33-99F8-3B877BBEF786}" type="datetimeFigureOut">
               <a:rPr lang="es-MX" smtClean="0"/>
-              <a:t>29/01/2022</a:t>
+              <a:t>04/04/2022</a:t>
             </a:fld>
             <a:endParaRPr lang="es-MX"/>
           </a:p>
@@ -519,62 +673,144 @@
       </p:sp>
       <p:sp>
         <p:nvSpPr>
-          <p:cNvPr id="5" name="Marcador de pie de página 4">
+          <p:cNvPr id="7" name="Marcador de número de diapositiva 5">
             <a:extLst>
               <a:ext uri="{FF2B5EF4-FFF2-40B4-BE49-F238E27FC236}">
-                <a16:creationId xmlns:a16="http://schemas.microsoft.com/office/drawing/2014/main" id="{D87E6EF6-5B6E-462B-B1A8-A5B135B9132D}"/>
+                <a16:creationId xmlns:a16="http://schemas.microsoft.com/office/drawing/2014/main" id="{CF952D52-54BE-4005-92B8-89F4356C96D6}"/>
               </a:ext>
             </a:extLst>
           </p:cNvPr>
-          <p:cNvSpPr>
-            <a:spLocks noGrp="1"/>
+          <p:cNvSpPr txBox="1">
+            <a:spLocks/>
           </p:cNvSpPr>
-          <p:nvPr>
-            <p:ph type="ftr" sz="quarter" idx="11"/>
-          </p:nvPr>
+          <p:nvPr userDrawn="1"/>
         </p:nvSpPr>
-        <p:spPr/>
+        <p:spPr>
+          <a:xfrm>
+            <a:off x="7829550" y="6356350"/>
+            <a:ext cx="3524250" cy="365125"/>
+          </a:xfrm>
+          <a:prstGeom prst="rect">
+            <a:avLst/>
+          </a:prstGeom>
+        </p:spPr>
         <p:txBody>
-          <a:bodyPr/>
-          <a:lstStyle/>
-          <a:p>
-            <a:endParaRPr lang="es-MX"/>
-          </a:p>
-        </p:txBody>
-      </p:sp>
-      <p:sp>
-        <p:nvSpPr>
-          <p:cNvPr id="6" name="Marcador de número de diapositiva 5">
-            <a:extLst>
-              <a:ext uri="{FF2B5EF4-FFF2-40B4-BE49-F238E27FC236}">
-                <a16:creationId xmlns:a16="http://schemas.microsoft.com/office/drawing/2014/main" id="{6828777A-8491-4A95-AB80-C87F95C9E2A5}"/>
-              </a:ext>
-            </a:extLst>
-          </p:cNvPr>
-          <p:cNvSpPr>
-            <a:spLocks noGrp="1"/>
-          </p:cNvSpPr>
-          <p:nvPr>
-            <p:ph type="sldNum" sz="quarter" idx="12"/>
-          </p:nvPr>
-        </p:nvSpPr>
-        <p:spPr/>
-        <p:txBody>
-          <a:bodyPr/>
-          <a:lstStyle/>
-          <a:p>
-            <a:fld id="{0C9EBE43-8140-4FD4-875D-BFFE9B2D9EEE}" type="slidenum">
-              <a:rPr lang="es-MX" smtClean="0"/>
-              <a:t>‹Nº›</a:t>
-            </a:fld>
-            <a:endParaRPr lang="es-MX"/>
+          <a:bodyPr vert="horz" lIns="91440" tIns="45720" rIns="91440" bIns="45720" rtlCol="0" anchor="ctr"/>
+          <a:lstStyle>
+            <a:defPPr>
+              <a:defRPr lang="es-MX"/>
+            </a:defPPr>
+            <a:lvl1pPr marL="0" algn="r" defTabSz="914400" rtl="0" eaLnBrk="1" latinLnBrk="0" hangingPunct="1">
+              <a:defRPr sz="1200" kern="1200">
+                <a:solidFill>
+                  <a:schemeClr val="tx1">
+                    <a:tint val="75000"/>
+                  </a:schemeClr>
+                </a:solidFill>
+                <a:latin typeface="+mn-lt"/>
+                <a:ea typeface="+mn-ea"/>
+                <a:cs typeface="+mn-cs"/>
+              </a:defRPr>
+            </a:lvl1pPr>
+            <a:lvl2pPr marL="457200" algn="l" defTabSz="914400" rtl="0" eaLnBrk="1" latinLnBrk="0" hangingPunct="1">
+              <a:defRPr sz="1800" kern="1200">
+                <a:solidFill>
+                  <a:schemeClr val="tx1"/>
+                </a:solidFill>
+                <a:latin typeface="+mn-lt"/>
+                <a:ea typeface="+mn-ea"/>
+                <a:cs typeface="+mn-cs"/>
+              </a:defRPr>
+            </a:lvl2pPr>
+            <a:lvl3pPr marL="914400" algn="l" defTabSz="914400" rtl="0" eaLnBrk="1" latinLnBrk="0" hangingPunct="1">
+              <a:defRPr sz="1800" kern="1200">
+                <a:solidFill>
+                  <a:schemeClr val="tx1"/>
+                </a:solidFill>
+                <a:latin typeface="+mn-lt"/>
+                <a:ea typeface="+mn-ea"/>
+                <a:cs typeface="+mn-cs"/>
+              </a:defRPr>
+            </a:lvl3pPr>
+            <a:lvl4pPr marL="1371600" algn="l" defTabSz="914400" rtl="0" eaLnBrk="1" latinLnBrk="0" hangingPunct="1">
+              <a:defRPr sz="1800" kern="1200">
+                <a:solidFill>
+                  <a:schemeClr val="tx1"/>
+                </a:solidFill>
+                <a:latin typeface="+mn-lt"/>
+                <a:ea typeface="+mn-ea"/>
+                <a:cs typeface="+mn-cs"/>
+              </a:defRPr>
+            </a:lvl4pPr>
+            <a:lvl5pPr marL="1828800" algn="l" defTabSz="914400" rtl="0" eaLnBrk="1" latinLnBrk="0" hangingPunct="1">
+              <a:defRPr sz="1800" kern="1200">
+                <a:solidFill>
+                  <a:schemeClr val="tx1"/>
+                </a:solidFill>
+                <a:latin typeface="+mn-lt"/>
+                <a:ea typeface="+mn-ea"/>
+                <a:cs typeface="+mn-cs"/>
+              </a:defRPr>
+            </a:lvl5pPr>
+            <a:lvl6pPr marL="2286000" algn="l" defTabSz="914400" rtl="0" eaLnBrk="1" latinLnBrk="0" hangingPunct="1">
+              <a:defRPr sz="1800" kern="1200">
+                <a:solidFill>
+                  <a:schemeClr val="tx1"/>
+                </a:solidFill>
+                <a:latin typeface="+mn-lt"/>
+                <a:ea typeface="+mn-ea"/>
+                <a:cs typeface="+mn-cs"/>
+              </a:defRPr>
+            </a:lvl6pPr>
+            <a:lvl7pPr marL="2743200" algn="l" defTabSz="914400" rtl="0" eaLnBrk="1" latinLnBrk="0" hangingPunct="1">
+              <a:defRPr sz="1800" kern="1200">
+                <a:solidFill>
+                  <a:schemeClr val="tx1"/>
+                </a:solidFill>
+                <a:latin typeface="+mn-lt"/>
+                <a:ea typeface="+mn-ea"/>
+                <a:cs typeface="+mn-cs"/>
+              </a:defRPr>
+            </a:lvl7pPr>
+            <a:lvl8pPr marL="3200400" algn="l" defTabSz="914400" rtl="0" eaLnBrk="1" latinLnBrk="0" hangingPunct="1">
+              <a:defRPr sz="1800" kern="1200">
+                <a:solidFill>
+                  <a:schemeClr val="tx1"/>
+                </a:solidFill>
+                <a:latin typeface="+mn-lt"/>
+                <a:ea typeface="+mn-ea"/>
+                <a:cs typeface="+mn-cs"/>
+              </a:defRPr>
+            </a:lvl8pPr>
+            <a:lvl9pPr marL="3657600" algn="l" defTabSz="914400" rtl="0" eaLnBrk="1" latinLnBrk="0" hangingPunct="1">
+              <a:defRPr sz="1800" kern="1200">
+                <a:solidFill>
+                  <a:schemeClr val="tx1"/>
+                </a:solidFill>
+                <a:latin typeface="+mn-lt"/>
+                <a:ea typeface="+mn-ea"/>
+                <a:cs typeface="+mn-cs"/>
+              </a:defRPr>
+            </a:lvl9pPr>
+          </a:lstStyle>
+          <a:p>
+            <a:r>
+              <a:rPr lang="es-MX" sz="1800" b="1" dirty="0">
+                <a:solidFill>
+                  <a:srgbClr val="86358B"/>
+                </a:solidFill>
+                <a:latin typeface="LMRoman10-Bold"/>
+              </a:rPr>
+              <a:t>Tonatiuh Bravo Padilla | Regidor</a:t>
+            </a:r>
+            <a:endParaRPr lang="es-MX" dirty="0"/>
           </a:p>
         </p:txBody>
       </p:sp>
     </p:spTree>
     <p:extLst>
       <p:ext uri="{BB962C8B-B14F-4D97-AF65-F5344CB8AC3E}">
-        <p14:creationId xmlns:p14="http://schemas.microsoft.com/office/powerpoint/2010/main" val="1109292784"/>
+        <p14:creationId xmlns:p14="http://schemas.microsoft.com/office/powerpoint/2010/main" val="112479671"/>
       </p:ext>
     </p:extLst>
   </p:cSld>
@@ -606,7 +842,7 @@
           <p:cNvPr id="2" name="Título vertical 1">
             <a:extLst>
               <a:ext uri="{FF2B5EF4-FFF2-40B4-BE49-F238E27FC236}">
-                <a16:creationId xmlns:a16="http://schemas.microsoft.com/office/drawing/2014/main" id="{AAE82FC4-140A-485D-A7EF-1F005F21F12A}"/>
+                <a16:creationId xmlns:a16="http://schemas.microsoft.com/office/drawing/2014/main" id="{57D02C85-0CF4-49FE-8487-FE9BBB97E6F8}"/>
               </a:ext>
             </a:extLst>
           </p:cNvPr>
@@ -640,7 +876,7 @@
           <p:cNvPr id="3" name="Marcador de texto vertical 2">
             <a:extLst>
               <a:ext uri="{FF2B5EF4-FFF2-40B4-BE49-F238E27FC236}">
-                <a16:creationId xmlns:a16="http://schemas.microsoft.com/office/drawing/2014/main" id="{20367BD0-C7F0-410D-84E1-5D18917312BE}"/>
+                <a16:creationId xmlns:a16="http://schemas.microsoft.com/office/drawing/2014/main" id="{3FBC3AAB-7306-44F8-8923-979DF2F1AC2A}"/>
               </a:ext>
             </a:extLst>
           </p:cNvPr>
@@ -703,7 +939,7 @@
           <p:cNvPr id="4" name="Marcador de fecha 3">
             <a:extLst>
               <a:ext uri="{FF2B5EF4-FFF2-40B4-BE49-F238E27FC236}">
-                <a16:creationId xmlns:a16="http://schemas.microsoft.com/office/drawing/2014/main" id="{7A030E9A-B578-4C9C-963E-D9304F759CFC}"/>
+                <a16:creationId xmlns:a16="http://schemas.microsoft.com/office/drawing/2014/main" id="{79921EE7-D21A-4367-A326-1C88AEB69EFE}"/>
               </a:ext>
             </a:extLst>
           </p:cNvPr>
@@ -714,14 +950,22 @@
             <p:ph type="dt" sz="half" idx="10"/>
           </p:nvPr>
         </p:nvSpPr>
-        <p:spPr/>
+        <p:spPr>
+          <a:xfrm>
+            <a:off x="838200" y="6356350"/>
+            <a:ext cx="2743200" cy="365125"/>
+          </a:xfrm>
+          <a:prstGeom prst="rect">
+            <a:avLst/>
+          </a:prstGeom>
+        </p:spPr>
         <p:txBody>
           <a:bodyPr/>
           <a:lstStyle/>
           <a:p>
-            <a:fld id="{736545F3-8D3D-4D05-8A54-09E52B7ADA46}" type="datetimeFigureOut">
+            <a:fld id="{E23B9695-3AEE-4E33-99F8-3B877BBEF786}" type="datetimeFigureOut">
               <a:rPr lang="es-MX" smtClean="0"/>
-              <a:t>29/01/2022</a:t>
+              <a:t>04/04/2022</a:t>
             </a:fld>
             <a:endParaRPr lang="es-MX"/>
           </a:p>
@@ -729,10 +973,176 @@
       </p:sp>
       <p:sp>
         <p:nvSpPr>
-          <p:cNvPr id="5" name="Marcador de pie de página 4">
+          <p:cNvPr id="7" name="Marcador de número de diapositiva 5">
             <a:extLst>
               <a:ext uri="{FF2B5EF4-FFF2-40B4-BE49-F238E27FC236}">
-                <a16:creationId xmlns:a16="http://schemas.microsoft.com/office/drawing/2014/main" id="{0B35061D-183D-4B50-9F03-3372ECBF654D}"/>
+                <a16:creationId xmlns:a16="http://schemas.microsoft.com/office/drawing/2014/main" id="{D57B2241-8737-4606-A5F4-E841F956B15F}"/>
+              </a:ext>
+            </a:extLst>
+          </p:cNvPr>
+          <p:cNvSpPr txBox="1">
+            <a:spLocks/>
+          </p:cNvSpPr>
+          <p:nvPr userDrawn="1"/>
+        </p:nvSpPr>
+        <p:spPr>
+          <a:xfrm>
+            <a:off x="7829550" y="6356350"/>
+            <a:ext cx="3524250" cy="365125"/>
+          </a:xfrm>
+          <a:prstGeom prst="rect">
+            <a:avLst/>
+          </a:prstGeom>
+        </p:spPr>
+        <p:txBody>
+          <a:bodyPr vert="horz" lIns="91440" tIns="45720" rIns="91440" bIns="45720" rtlCol="0" anchor="ctr"/>
+          <a:lstStyle>
+            <a:defPPr>
+              <a:defRPr lang="es-MX"/>
+            </a:defPPr>
+            <a:lvl1pPr marL="0" algn="r" defTabSz="914400" rtl="0" eaLnBrk="1" latinLnBrk="0" hangingPunct="1">
+              <a:defRPr sz="1200" kern="1200">
+                <a:solidFill>
+                  <a:schemeClr val="tx1">
+                    <a:tint val="75000"/>
+                  </a:schemeClr>
+                </a:solidFill>
+                <a:latin typeface="+mn-lt"/>
+                <a:ea typeface="+mn-ea"/>
+                <a:cs typeface="+mn-cs"/>
+              </a:defRPr>
+            </a:lvl1pPr>
+            <a:lvl2pPr marL="457200" algn="l" defTabSz="914400" rtl="0" eaLnBrk="1" latinLnBrk="0" hangingPunct="1">
+              <a:defRPr sz="1800" kern="1200">
+                <a:solidFill>
+                  <a:schemeClr val="tx1"/>
+                </a:solidFill>
+                <a:latin typeface="+mn-lt"/>
+                <a:ea typeface="+mn-ea"/>
+                <a:cs typeface="+mn-cs"/>
+              </a:defRPr>
+            </a:lvl2pPr>
+            <a:lvl3pPr marL="914400" algn="l" defTabSz="914400" rtl="0" eaLnBrk="1" latinLnBrk="0" hangingPunct="1">
+              <a:defRPr sz="1800" kern="1200">
+                <a:solidFill>
+                  <a:schemeClr val="tx1"/>
+                </a:solidFill>
+                <a:latin typeface="+mn-lt"/>
+                <a:ea typeface="+mn-ea"/>
+                <a:cs typeface="+mn-cs"/>
+              </a:defRPr>
+            </a:lvl3pPr>
+            <a:lvl4pPr marL="1371600" algn="l" defTabSz="914400" rtl="0" eaLnBrk="1" latinLnBrk="0" hangingPunct="1">
+              <a:defRPr sz="1800" kern="1200">
+                <a:solidFill>
+                  <a:schemeClr val="tx1"/>
+                </a:solidFill>
+                <a:latin typeface="+mn-lt"/>
+                <a:ea typeface="+mn-ea"/>
+                <a:cs typeface="+mn-cs"/>
+              </a:defRPr>
+            </a:lvl4pPr>
+            <a:lvl5pPr marL="1828800" algn="l" defTabSz="914400" rtl="0" eaLnBrk="1" latinLnBrk="0" hangingPunct="1">
+              <a:defRPr sz="1800" kern="1200">
+                <a:solidFill>
+                  <a:schemeClr val="tx1"/>
+                </a:solidFill>
+                <a:latin typeface="+mn-lt"/>
+                <a:ea typeface="+mn-ea"/>
+                <a:cs typeface="+mn-cs"/>
+              </a:defRPr>
+            </a:lvl5pPr>
+            <a:lvl6pPr marL="2286000" algn="l" defTabSz="914400" rtl="0" eaLnBrk="1" latinLnBrk="0" hangingPunct="1">
+              <a:defRPr sz="1800" kern="1200">
+                <a:solidFill>
+                  <a:schemeClr val="tx1"/>
+                </a:solidFill>
+                <a:latin typeface="+mn-lt"/>
+                <a:ea typeface="+mn-ea"/>
+                <a:cs typeface="+mn-cs"/>
+              </a:defRPr>
+            </a:lvl6pPr>
+            <a:lvl7pPr marL="2743200" algn="l" defTabSz="914400" rtl="0" eaLnBrk="1" latinLnBrk="0" hangingPunct="1">
+              <a:defRPr sz="1800" kern="1200">
+                <a:solidFill>
+                  <a:schemeClr val="tx1"/>
+                </a:solidFill>
+                <a:latin typeface="+mn-lt"/>
+                <a:ea typeface="+mn-ea"/>
+                <a:cs typeface="+mn-cs"/>
+              </a:defRPr>
+            </a:lvl7pPr>
+            <a:lvl8pPr marL="3200400" algn="l" defTabSz="914400" rtl="0" eaLnBrk="1" latinLnBrk="0" hangingPunct="1">
+              <a:defRPr sz="1800" kern="1200">
+                <a:solidFill>
+                  <a:schemeClr val="tx1"/>
+                </a:solidFill>
+                <a:latin typeface="+mn-lt"/>
+                <a:ea typeface="+mn-ea"/>
+                <a:cs typeface="+mn-cs"/>
+              </a:defRPr>
+            </a:lvl8pPr>
+            <a:lvl9pPr marL="3657600" algn="l" defTabSz="914400" rtl="0" eaLnBrk="1" latinLnBrk="0" hangingPunct="1">
+              <a:defRPr sz="1800" kern="1200">
+                <a:solidFill>
+                  <a:schemeClr val="tx1"/>
+                </a:solidFill>
+                <a:latin typeface="+mn-lt"/>
+                <a:ea typeface="+mn-ea"/>
+                <a:cs typeface="+mn-cs"/>
+              </a:defRPr>
+            </a:lvl9pPr>
+          </a:lstStyle>
+          <a:p>
+            <a:r>
+              <a:rPr lang="es-MX" sz="1800" b="1" dirty="0">
+                <a:solidFill>
+                  <a:srgbClr val="86358B"/>
+                </a:solidFill>
+                <a:latin typeface="LMRoman10-Bold"/>
+              </a:rPr>
+              <a:t>Tonatiuh Bravo Padilla | Regidor</a:t>
+            </a:r>
+            <a:endParaRPr lang="es-MX" dirty="0"/>
+          </a:p>
+        </p:txBody>
+      </p:sp>
+    </p:spTree>
+    <p:extLst>
+      <p:ext uri="{BB962C8B-B14F-4D97-AF65-F5344CB8AC3E}">
+        <p14:creationId xmlns:p14="http://schemas.microsoft.com/office/powerpoint/2010/main" val="1034230104"/>
+      </p:ext>
+    </p:extLst>
+  </p:cSld>
+  <p:clrMapOvr>
+    <a:masterClrMapping/>
+  </p:clrMapOvr>
+</p:sldLayout>
+</file>
+
+<file path=ppt/slideLayouts/slideLayout12.xml><?xml version="1.0" encoding="utf-8"?>
+<p:sldLayout xmlns:a="http://schemas.openxmlformats.org/drawingml/2006/main" xmlns:r="http://schemas.openxmlformats.org/officeDocument/2006/relationships" xmlns:p="http://schemas.openxmlformats.org/presentationml/2006/main" type="tx">
+  <p:cSld>
+    <p:spTree>
+      <p:nvGrpSpPr>
+        <p:cNvPr id="1" name=""/>
+        <p:cNvGrpSpPr/>
+        <p:nvPr/>
+      </p:nvGrpSpPr>
+      <p:grpSpPr>
+        <a:xfrm>
+          <a:off x="0" y="0"/>
+          <a:ext cx="0" cy="0"/>
+          <a:chOff x="0" y="0"/>
+          <a:chExt cx="0" cy="0"/>
+        </a:xfrm>
+      </p:grpSpPr>
+      <p:sp>
+        <p:nvSpPr>
+          <p:cNvPr id="2" name="Título 1">
+            <a:extLst>
+              <a:ext uri="{FF2B5EF4-FFF2-40B4-BE49-F238E27FC236}">
+                <a16:creationId xmlns:a16="http://schemas.microsoft.com/office/drawing/2014/main" id="{E4116193-9944-4E69-BC95-93AC317A823C}"/>
               </a:ext>
             </a:extLst>
           </p:cNvPr>
@@ -740,7 +1150,7 @@
             <a:spLocks noGrp="1"/>
           </p:cNvSpPr>
           <p:nvPr>
-            <p:ph type="ftr" sz="quarter" idx="11"/>
+            <p:ph type="title"/>
           </p:nvPr>
         </p:nvSpPr>
         <p:spPr/>
@@ -748,16 +1158,20 @@
           <a:bodyPr/>
           <a:lstStyle/>
           <a:p>
+            <a:r>
+              <a:rPr lang="es-ES"/>
+              <a:t>Haga clic para modificar el estilo de título del patrón</a:t>
+            </a:r>
             <a:endParaRPr lang="es-MX"/>
           </a:p>
         </p:txBody>
       </p:sp>
       <p:sp>
         <p:nvSpPr>
-          <p:cNvPr id="6" name="Marcador de número de diapositiva 5">
+          <p:cNvPr id="3" name="Marcador de texto 2">
             <a:extLst>
               <a:ext uri="{FF2B5EF4-FFF2-40B4-BE49-F238E27FC236}">
-                <a16:creationId xmlns:a16="http://schemas.microsoft.com/office/drawing/2014/main" id="{151E7DC1-939D-44C6-8363-80C1B01228CC}"/>
+                <a16:creationId xmlns:a16="http://schemas.microsoft.com/office/drawing/2014/main" id="{86A957E7-79CB-4700-9450-4BA5C5144B5C}"/>
               </a:ext>
             </a:extLst>
           </p:cNvPr>
@@ -765,7 +1179,7 @@
             <a:spLocks noGrp="1"/>
           </p:cNvSpPr>
           <p:nvPr>
-            <p:ph type="sldNum" sz="quarter" idx="12"/>
+            <p:ph type="body" idx="1"/>
           </p:nvPr>
         </p:nvSpPr>
         <p:spPr/>
@@ -773,20 +1187,516 @@
           <a:bodyPr/>
           <a:lstStyle/>
           <a:p>
-            <a:fld id="{0C9EBE43-8140-4FD4-875D-BFFE9B2D9EEE}" type="slidenum">
-              <a:rPr lang="es-MX" smtClean="0"/>
-              <a:t>‹Nº›</a:t>
-            </a:fld>
+            <a:pPr lvl="0"/>
+            <a:r>
+              <a:rPr lang="es-ES"/>
+              <a:t>Haga clic para modificar los estilos de texto del patrón</a:t>
+            </a:r>
+          </a:p>
+          <a:p>
+            <a:pPr lvl="1"/>
+            <a:r>
+              <a:rPr lang="es-ES"/>
+              <a:t>Segundo nivel</a:t>
+            </a:r>
+          </a:p>
+          <a:p>
+            <a:pPr lvl="2"/>
+            <a:r>
+              <a:rPr lang="es-ES"/>
+              <a:t>Tercer nivel</a:t>
+            </a:r>
+          </a:p>
+          <a:p>
+            <a:pPr lvl="3"/>
+            <a:r>
+              <a:rPr lang="es-ES"/>
+              <a:t>Cuarto nivel</a:t>
+            </a:r>
+          </a:p>
+          <a:p>
+            <a:pPr lvl="4"/>
+            <a:r>
+              <a:rPr lang="es-ES"/>
+              <a:t>Quinto nivel</a:t>
+            </a:r>
             <a:endParaRPr lang="es-MX"/>
+          </a:p>
+        </p:txBody>
+      </p:sp>
+      <p:sp>
+        <p:nvSpPr>
+          <p:cNvPr id="4" name="Marcador de número de diapositiva 3">
+            <a:extLst>
+              <a:ext uri="{FF2B5EF4-FFF2-40B4-BE49-F238E27FC236}">
+                <a16:creationId xmlns:a16="http://schemas.microsoft.com/office/drawing/2014/main" id="{2D7E7579-6BAA-4ABA-AF97-BD9F4BC66F01}"/>
+              </a:ext>
+            </a:extLst>
+          </p:cNvPr>
+          <p:cNvSpPr>
+            <a:spLocks noGrp="1"/>
+          </p:cNvSpPr>
+          <p:nvPr>
+            <p:ph type="sldNum" sz="quarter" idx="10"/>
+          </p:nvPr>
+        </p:nvSpPr>
+        <p:spPr/>
+        <p:txBody>
+          <a:bodyPr/>
+          <a:lstStyle/>
+          <a:p>
+            <a:r>
+              <a:rPr lang="es-MX" sz="1800" b="1" i="0" u="none" strike="noStrike" baseline="0">
+                <a:solidFill>
+                  <a:srgbClr val="86358B"/>
+                </a:solidFill>
+                <a:latin typeface="LMRoman10-Bold"/>
+              </a:rPr>
+              <a:t>Tonatiuh Bravo Padilla | Regidor</a:t>
+            </a:r>
+            <a:endParaRPr lang="es-MX" dirty="0"/>
           </a:p>
         </p:txBody>
       </p:sp>
     </p:spTree>
-    <p:extLst>
-      <p:ext uri="{BB962C8B-B14F-4D97-AF65-F5344CB8AC3E}">
-        <p14:creationId xmlns:p14="http://schemas.microsoft.com/office/powerpoint/2010/main" val="1900649829"/>
-      </p:ext>
-    </p:extLst>
+  </p:cSld>
+  <p:clrMapOvr>
+    <a:masterClrMapping/>
+  </p:clrMapOvr>
+</p:sldLayout>
+</file>
+
+<file path=ppt/slideLayouts/slideLayout13.xml><?xml version="1.0" encoding="utf-8"?>
+<p:sldLayout xmlns:a="http://schemas.openxmlformats.org/drawingml/2006/main" xmlns:r="http://schemas.openxmlformats.org/officeDocument/2006/relationships" xmlns:p="http://schemas.openxmlformats.org/presentationml/2006/main" type="tx">
+  <p:cSld>
+    <p:spTree>
+      <p:nvGrpSpPr>
+        <p:cNvPr id="1" name=""/>
+        <p:cNvGrpSpPr/>
+        <p:nvPr/>
+      </p:nvGrpSpPr>
+      <p:grpSpPr>
+        <a:xfrm>
+          <a:off x="0" y="0"/>
+          <a:ext cx="0" cy="0"/>
+          <a:chOff x="0" y="0"/>
+          <a:chExt cx="0" cy="0"/>
+        </a:xfrm>
+      </p:grpSpPr>
+      <p:sp>
+        <p:nvSpPr>
+          <p:cNvPr id="2" name="Título 1">
+            <a:extLst>
+              <a:ext uri="{FF2B5EF4-FFF2-40B4-BE49-F238E27FC236}">
+                <a16:creationId xmlns:a16="http://schemas.microsoft.com/office/drawing/2014/main" id="{07A8B6F3-D82C-4EE1-989A-3B72F9616158}"/>
+              </a:ext>
+            </a:extLst>
+          </p:cNvPr>
+          <p:cNvSpPr>
+            <a:spLocks noGrp="1"/>
+          </p:cNvSpPr>
+          <p:nvPr>
+            <p:ph type="title"/>
+          </p:nvPr>
+        </p:nvSpPr>
+        <p:spPr/>
+        <p:txBody>
+          <a:bodyPr/>
+          <a:lstStyle/>
+          <a:p>
+            <a:r>
+              <a:rPr lang="es-ES"/>
+              <a:t>Haga clic para modificar el estilo de título del patrón</a:t>
+            </a:r>
+            <a:endParaRPr lang="es-MX"/>
+          </a:p>
+        </p:txBody>
+      </p:sp>
+      <p:sp>
+        <p:nvSpPr>
+          <p:cNvPr id="3" name="Marcador de texto 2">
+            <a:extLst>
+              <a:ext uri="{FF2B5EF4-FFF2-40B4-BE49-F238E27FC236}">
+                <a16:creationId xmlns:a16="http://schemas.microsoft.com/office/drawing/2014/main" id="{7C8F7BB0-2248-40D6-B482-97BACDC872E8}"/>
+              </a:ext>
+            </a:extLst>
+          </p:cNvPr>
+          <p:cNvSpPr>
+            <a:spLocks noGrp="1"/>
+          </p:cNvSpPr>
+          <p:nvPr>
+            <p:ph type="body" idx="1"/>
+          </p:nvPr>
+        </p:nvSpPr>
+        <p:spPr/>
+        <p:txBody>
+          <a:bodyPr/>
+          <a:lstStyle/>
+          <a:p>
+            <a:pPr lvl="0"/>
+            <a:r>
+              <a:rPr lang="es-ES"/>
+              <a:t>Haga clic para modificar los estilos de texto del patrón</a:t>
+            </a:r>
+          </a:p>
+          <a:p>
+            <a:pPr lvl="1"/>
+            <a:r>
+              <a:rPr lang="es-ES"/>
+              <a:t>Segundo nivel</a:t>
+            </a:r>
+          </a:p>
+          <a:p>
+            <a:pPr lvl="2"/>
+            <a:r>
+              <a:rPr lang="es-ES"/>
+              <a:t>Tercer nivel</a:t>
+            </a:r>
+          </a:p>
+          <a:p>
+            <a:pPr lvl="3"/>
+            <a:r>
+              <a:rPr lang="es-ES"/>
+              <a:t>Cuarto nivel</a:t>
+            </a:r>
+          </a:p>
+          <a:p>
+            <a:pPr lvl="4"/>
+            <a:r>
+              <a:rPr lang="es-ES"/>
+              <a:t>Quinto nivel</a:t>
+            </a:r>
+            <a:endParaRPr lang="es-MX"/>
+          </a:p>
+        </p:txBody>
+      </p:sp>
+      <p:sp>
+        <p:nvSpPr>
+          <p:cNvPr id="4" name="Marcador de número de diapositiva 3">
+            <a:extLst>
+              <a:ext uri="{FF2B5EF4-FFF2-40B4-BE49-F238E27FC236}">
+                <a16:creationId xmlns:a16="http://schemas.microsoft.com/office/drawing/2014/main" id="{74E5C9EA-FBC6-4F82-9B6F-2DAEB03F227E}"/>
+              </a:ext>
+            </a:extLst>
+          </p:cNvPr>
+          <p:cNvSpPr>
+            <a:spLocks noGrp="1"/>
+          </p:cNvSpPr>
+          <p:nvPr>
+            <p:ph type="sldNum" sz="quarter" idx="10"/>
+          </p:nvPr>
+        </p:nvSpPr>
+        <p:spPr/>
+        <p:txBody>
+          <a:bodyPr/>
+          <a:lstStyle/>
+          <a:p>
+            <a:r>
+              <a:rPr lang="es-MX" sz="1800" b="1" i="0" u="none" strike="noStrike" baseline="0">
+                <a:solidFill>
+                  <a:srgbClr val="86358B"/>
+                </a:solidFill>
+                <a:latin typeface="LMRoman10-Bold"/>
+              </a:rPr>
+              <a:t>Tonatiuh Bravo Padilla | Regidor</a:t>
+            </a:r>
+            <a:endParaRPr lang="es-MX" dirty="0"/>
+          </a:p>
+        </p:txBody>
+      </p:sp>
+    </p:spTree>
+  </p:cSld>
+  <p:clrMapOvr>
+    <a:masterClrMapping/>
+  </p:clrMapOvr>
+</p:sldLayout>
+</file>
+
+<file path=ppt/slideLayouts/slideLayout14.xml><?xml version="1.0" encoding="utf-8"?>
+<p:sldLayout xmlns:a="http://schemas.openxmlformats.org/drawingml/2006/main" xmlns:r="http://schemas.openxmlformats.org/officeDocument/2006/relationships" xmlns:p="http://schemas.openxmlformats.org/presentationml/2006/main" type="tx">
+  <p:cSld>
+    <p:spTree>
+      <p:nvGrpSpPr>
+        <p:cNvPr id="1" name=""/>
+        <p:cNvGrpSpPr/>
+        <p:nvPr/>
+      </p:nvGrpSpPr>
+      <p:grpSpPr>
+        <a:xfrm>
+          <a:off x="0" y="0"/>
+          <a:ext cx="0" cy="0"/>
+          <a:chOff x="0" y="0"/>
+          <a:chExt cx="0" cy="0"/>
+        </a:xfrm>
+      </p:grpSpPr>
+      <p:sp>
+        <p:nvSpPr>
+          <p:cNvPr id="2" name="Título 1">
+            <a:extLst>
+              <a:ext uri="{FF2B5EF4-FFF2-40B4-BE49-F238E27FC236}">
+                <a16:creationId xmlns:a16="http://schemas.microsoft.com/office/drawing/2014/main" id="{93840369-CD43-429E-8A4A-DBAC64A99569}"/>
+              </a:ext>
+            </a:extLst>
+          </p:cNvPr>
+          <p:cNvSpPr>
+            <a:spLocks noGrp="1"/>
+          </p:cNvSpPr>
+          <p:nvPr>
+            <p:ph type="title"/>
+          </p:nvPr>
+        </p:nvSpPr>
+        <p:spPr/>
+        <p:txBody>
+          <a:bodyPr/>
+          <a:lstStyle/>
+          <a:p>
+            <a:r>
+              <a:rPr lang="es-ES"/>
+              <a:t>Haga clic para modificar el estilo de título del patrón</a:t>
+            </a:r>
+            <a:endParaRPr lang="es-MX"/>
+          </a:p>
+        </p:txBody>
+      </p:sp>
+      <p:sp>
+        <p:nvSpPr>
+          <p:cNvPr id="3" name="Marcador de texto 2">
+            <a:extLst>
+              <a:ext uri="{FF2B5EF4-FFF2-40B4-BE49-F238E27FC236}">
+                <a16:creationId xmlns:a16="http://schemas.microsoft.com/office/drawing/2014/main" id="{DDA25726-1C96-4E63-80E3-7C7AF3DAAFFB}"/>
+              </a:ext>
+            </a:extLst>
+          </p:cNvPr>
+          <p:cNvSpPr>
+            <a:spLocks noGrp="1"/>
+          </p:cNvSpPr>
+          <p:nvPr>
+            <p:ph type="body" idx="1"/>
+          </p:nvPr>
+        </p:nvSpPr>
+        <p:spPr/>
+        <p:txBody>
+          <a:bodyPr/>
+          <a:lstStyle/>
+          <a:p>
+            <a:pPr lvl="0"/>
+            <a:r>
+              <a:rPr lang="es-ES"/>
+              <a:t>Haga clic para modificar los estilos de texto del patrón</a:t>
+            </a:r>
+          </a:p>
+          <a:p>
+            <a:pPr lvl="1"/>
+            <a:r>
+              <a:rPr lang="es-ES"/>
+              <a:t>Segundo nivel</a:t>
+            </a:r>
+          </a:p>
+          <a:p>
+            <a:pPr lvl="2"/>
+            <a:r>
+              <a:rPr lang="es-ES"/>
+              <a:t>Tercer nivel</a:t>
+            </a:r>
+          </a:p>
+          <a:p>
+            <a:pPr lvl="3"/>
+            <a:r>
+              <a:rPr lang="es-ES"/>
+              <a:t>Cuarto nivel</a:t>
+            </a:r>
+          </a:p>
+          <a:p>
+            <a:pPr lvl="4"/>
+            <a:r>
+              <a:rPr lang="es-ES"/>
+              <a:t>Quinto nivel</a:t>
+            </a:r>
+            <a:endParaRPr lang="es-MX"/>
+          </a:p>
+        </p:txBody>
+      </p:sp>
+      <p:sp>
+        <p:nvSpPr>
+          <p:cNvPr id="4" name="Marcador de número de diapositiva 3">
+            <a:extLst>
+              <a:ext uri="{FF2B5EF4-FFF2-40B4-BE49-F238E27FC236}">
+                <a16:creationId xmlns:a16="http://schemas.microsoft.com/office/drawing/2014/main" id="{11135EAB-B233-4DA0-8E58-869FE9FEB90A}"/>
+              </a:ext>
+            </a:extLst>
+          </p:cNvPr>
+          <p:cNvSpPr>
+            <a:spLocks noGrp="1"/>
+          </p:cNvSpPr>
+          <p:nvPr>
+            <p:ph type="sldNum" sz="quarter" idx="10"/>
+          </p:nvPr>
+        </p:nvSpPr>
+        <p:spPr/>
+        <p:txBody>
+          <a:bodyPr/>
+          <a:lstStyle/>
+          <a:p>
+            <a:r>
+              <a:rPr lang="es-MX" sz="1800" b="1" i="0" u="none" strike="noStrike" baseline="0">
+                <a:solidFill>
+                  <a:srgbClr val="86358B"/>
+                </a:solidFill>
+                <a:latin typeface="LMRoman10-Bold"/>
+              </a:rPr>
+              <a:t>Tonatiuh Bravo Padilla | Regidor</a:t>
+            </a:r>
+            <a:endParaRPr lang="es-MX" dirty="0"/>
+          </a:p>
+        </p:txBody>
+      </p:sp>
+    </p:spTree>
+  </p:cSld>
+  <p:clrMapOvr>
+    <a:masterClrMapping/>
+  </p:clrMapOvr>
+</p:sldLayout>
+</file>
+
+<file path=ppt/slideLayouts/slideLayout15.xml><?xml version="1.0" encoding="utf-8"?>
+<p:sldLayout xmlns:a="http://schemas.openxmlformats.org/drawingml/2006/main" xmlns:r="http://schemas.openxmlformats.org/officeDocument/2006/relationships" xmlns:p="http://schemas.openxmlformats.org/presentationml/2006/main" type="tx">
+  <p:cSld>
+    <p:spTree>
+      <p:nvGrpSpPr>
+        <p:cNvPr id="1" name=""/>
+        <p:cNvGrpSpPr/>
+        <p:nvPr/>
+      </p:nvGrpSpPr>
+      <p:grpSpPr>
+        <a:xfrm>
+          <a:off x="0" y="0"/>
+          <a:ext cx="0" cy="0"/>
+          <a:chOff x="0" y="0"/>
+          <a:chExt cx="0" cy="0"/>
+        </a:xfrm>
+      </p:grpSpPr>
+      <p:sp>
+        <p:nvSpPr>
+          <p:cNvPr id="2" name="Título 1">
+            <a:extLst>
+              <a:ext uri="{FF2B5EF4-FFF2-40B4-BE49-F238E27FC236}">
+                <a16:creationId xmlns:a16="http://schemas.microsoft.com/office/drawing/2014/main" id="{73D89F2D-D377-4348-8296-336C09E55F8A}"/>
+              </a:ext>
+            </a:extLst>
+          </p:cNvPr>
+          <p:cNvSpPr>
+            <a:spLocks noGrp="1"/>
+          </p:cNvSpPr>
+          <p:nvPr>
+            <p:ph type="title"/>
+          </p:nvPr>
+        </p:nvSpPr>
+        <p:spPr/>
+        <p:txBody>
+          <a:bodyPr/>
+          <a:lstStyle/>
+          <a:p>
+            <a:r>
+              <a:rPr lang="es-ES"/>
+              <a:t>Haga clic para modificar el estilo de título del patrón</a:t>
+            </a:r>
+            <a:endParaRPr lang="es-MX"/>
+          </a:p>
+        </p:txBody>
+      </p:sp>
+      <p:sp>
+        <p:nvSpPr>
+          <p:cNvPr id="3" name="Marcador de texto 2">
+            <a:extLst>
+              <a:ext uri="{FF2B5EF4-FFF2-40B4-BE49-F238E27FC236}">
+                <a16:creationId xmlns:a16="http://schemas.microsoft.com/office/drawing/2014/main" id="{2ED2FD83-1BB2-4B08-984F-FF9AE5A163E8}"/>
+              </a:ext>
+            </a:extLst>
+          </p:cNvPr>
+          <p:cNvSpPr>
+            <a:spLocks noGrp="1"/>
+          </p:cNvSpPr>
+          <p:nvPr>
+            <p:ph type="body" idx="1"/>
+          </p:nvPr>
+        </p:nvSpPr>
+        <p:spPr/>
+        <p:txBody>
+          <a:bodyPr/>
+          <a:lstStyle/>
+          <a:p>
+            <a:pPr lvl="0"/>
+            <a:r>
+              <a:rPr lang="es-ES"/>
+              <a:t>Haga clic para modificar los estilos de texto del patrón</a:t>
+            </a:r>
+          </a:p>
+          <a:p>
+            <a:pPr lvl="1"/>
+            <a:r>
+              <a:rPr lang="es-ES"/>
+              <a:t>Segundo nivel</a:t>
+            </a:r>
+          </a:p>
+          <a:p>
+            <a:pPr lvl="2"/>
+            <a:r>
+              <a:rPr lang="es-ES"/>
+              <a:t>Tercer nivel</a:t>
+            </a:r>
+          </a:p>
+          <a:p>
+            <a:pPr lvl="3"/>
+            <a:r>
+              <a:rPr lang="es-ES"/>
+              <a:t>Cuarto nivel</a:t>
+            </a:r>
+          </a:p>
+          <a:p>
+            <a:pPr lvl="4"/>
+            <a:r>
+              <a:rPr lang="es-ES"/>
+              <a:t>Quinto nivel</a:t>
+            </a:r>
+            <a:endParaRPr lang="es-MX"/>
+          </a:p>
+        </p:txBody>
+      </p:sp>
+      <p:sp>
+        <p:nvSpPr>
+          <p:cNvPr id="4" name="Marcador de número de diapositiva 3">
+            <a:extLst>
+              <a:ext uri="{FF2B5EF4-FFF2-40B4-BE49-F238E27FC236}">
+                <a16:creationId xmlns:a16="http://schemas.microsoft.com/office/drawing/2014/main" id="{6444360C-69B8-4C7C-9238-8153170F0336}"/>
+              </a:ext>
+            </a:extLst>
+          </p:cNvPr>
+          <p:cNvSpPr>
+            <a:spLocks noGrp="1"/>
+          </p:cNvSpPr>
+          <p:nvPr>
+            <p:ph type="sldNum" sz="quarter" idx="10"/>
+          </p:nvPr>
+        </p:nvSpPr>
+        <p:spPr/>
+        <p:txBody>
+          <a:bodyPr/>
+          <a:lstStyle/>
+          <a:p>
+            <a:r>
+              <a:rPr lang="es-MX" sz="1800" b="1" i="0" u="none" strike="noStrike" baseline="0">
+                <a:solidFill>
+                  <a:srgbClr val="86358B"/>
+                </a:solidFill>
+                <a:latin typeface="LMRoman10-Bold"/>
+              </a:rPr>
+              <a:t>Tonatiuh Bravo Padilla | Regidor</a:t>
+            </a:r>
+            <a:endParaRPr lang="es-MX" dirty="0"/>
+          </a:p>
+        </p:txBody>
+      </p:sp>
+    </p:spTree>
   </p:cSld>
   <p:clrMapOvr>
     <a:masterClrMapping/>
@@ -821,16 +1731,26 @@
             <p:ph type="title"/>
           </p:nvPr>
         </p:nvSpPr>
-        <p:spPr/>
+        <p:spPr>
+          <a:xfrm>
+            <a:off x="838200" y="365126"/>
+            <a:ext cx="10515600" cy="660370"/>
+          </a:xfrm>
+        </p:spPr>
         <p:txBody>
-          <a:bodyPr/>
-          <a:lstStyle/>
-          <a:p>
-            <a:r>
-              <a:rPr lang="en-US" smtClean="0"/>
+          <a:bodyPr>
+            <a:normAutofit/>
+          </a:bodyPr>
+          <a:lstStyle>
+            <a:lvl1pPr algn="l">
+              <a:defRPr sz="3600"/>
+            </a:lvl1pPr>
+          </a:lstStyle>
+          <a:p>
+            <a:r>
+              <a:rPr lang="en-US" dirty="0"/>
               <a:t>Click to edit Master title style</a:t>
             </a:r>
-            <a:endParaRPr lang="en-US"/>
           </a:p>
         </p:txBody>
       </p:sp>
@@ -844,45 +1764,49 @@
             <p:ph idx="1"/>
           </p:nvPr>
         </p:nvSpPr>
-        <p:spPr/>
+        <p:spPr>
+          <a:xfrm>
+            <a:off x="838200" y="1273323"/>
+            <a:ext cx="10515600" cy="4903640"/>
+          </a:xfrm>
+        </p:spPr>
         <p:txBody>
           <a:bodyPr/>
           <a:lstStyle/>
           <a:p>
             <a:pPr lvl="0"/>
             <a:r>
-              <a:rPr lang="en-US" smtClean="0"/>
+              <a:rPr lang="en-US"/>
               <a:t>Click to edit Master text styles</a:t>
             </a:r>
           </a:p>
           <a:p>
             <a:pPr lvl="1"/>
             <a:r>
-              <a:rPr lang="en-US" smtClean="0"/>
+              <a:rPr lang="en-US"/>
               <a:t>Second level</a:t>
             </a:r>
           </a:p>
           <a:p>
             <a:pPr lvl="2"/>
             <a:r>
-              <a:rPr lang="en-US" smtClean="0"/>
+              <a:rPr lang="en-US"/>
               <a:t>Third level</a:t>
             </a:r>
           </a:p>
           <a:p>
             <a:pPr lvl="3"/>
             <a:r>
-              <a:rPr lang="en-US" smtClean="0"/>
+              <a:rPr lang="en-US"/>
               <a:t>Fourth level</a:t>
             </a:r>
           </a:p>
           <a:p>
             <a:pPr lvl="4"/>
             <a:r>
-              <a:rPr lang="en-US" smtClean="0"/>
+              <a:rPr lang="en-US"/>
               <a:t>Fifth level</a:t>
             </a:r>
-            <a:endParaRPr lang="en-US"/>
           </a:p>
         </p:txBody>
       </p:sp>
@@ -903,7 +1827,7 @@
           <a:p>
             <a:fld id="{241EB5C9-1307-BA42-ABA2-0BC069CD8E7F}" type="datetimeFigureOut">
               <a:rPr lang="en-US" smtClean="0"/>
-              <a:t>4/5/2019</a:t>
+              <a:t>4/4/2022</a:t>
             </a:fld>
             <a:endParaRPr lang="en-US"/>
           </a:p>
@@ -930,24 +1854,53 @@
       </p:sp>
       <p:sp>
         <p:nvSpPr>
-          <p:cNvPr id="6" name="Slide Number Placeholder 5"/>
+          <p:cNvPr id="8" name="Marcador de número de diapositiva 5">
+            <a:extLst>
+              <a:ext uri="{FF2B5EF4-FFF2-40B4-BE49-F238E27FC236}">
+                <a16:creationId xmlns:a16="http://schemas.microsoft.com/office/drawing/2014/main" id="{B875C43F-5E10-4F81-9887-44BB15185555}"/>
+              </a:ext>
+            </a:extLst>
+          </p:cNvPr>
           <p:cNvSpPr>
             <a:spLocks noGrp="1"/>
           </p:cNvSpPr>
           <p:nvPr>
-            <p:ph type="sldNum" sz="quarter" idx="12"/>
+            <p:ph type="sldNum" sz="quarter" idx="4"/>
           </p:nvPr>
         </p:nvSpPr>
-        <p:spPr/>
+        <p:spPr>
+          <a:xfrm>
+            <a:off x="7829550" y="6356350"/>
+            <a:ext cx="3524250" cy="365125"/>
+          </a:xfrm>
+          <a:prstGeom prst="rect">
+            <a:avLst/>
+          </a:prstGeom>
+        </p:spPr>
         <p:txBody>
-          <a:bodyPr/>
-          <a:lstStyle/>
-          <a:p>
-            <a:fld id="{C5EF2332-01BF-834F-8236-50238282D533}" type="slidenum">
-              <a:rPr lang="en-US" smtClean="0"/>
-              <a:t>‹#›</a:t>
-            </a:fld>
-            <a:endParaRPr lang="en-US"/>
+          <a:bodyPr vert="horz" lIns="91440" tIns="45720" rIns="91440" bIns="45720" rtlCol="0" anchor="ctr"/>
+          <a:lstStyle>
+            <a:lvl1pPr algn="r">
+              <a:defRPr sz="1200">
+                <a:solidFill>
+                  <a:schemeClr val="tx1">
+                    <a:tint val="75000"/>
+                  </a:schemeClr>
+                </a:solidFill>
+              </a:defRPr>
+            </a:lvl1pPr>
+          </a:lstStyle>
+          <a:p>
+            <a:r>
+              <a:rPr lang="es-MX" sz="1800" b="1" i="0" u="none" strike="noStrike" baseline="0" dirty="0">
+                <a:solidFill>
+                  <a:srgbClr val="86358B"/>
+                </a:solidFill>
+                <a:latin typeface="LMRoman10-Bold"/>
+              </a:rPr>
+              <a:t>Tonatiuh Bravo Padilla | Regidor</a:t>
+            </a:r>
+            <a:endParaRPr lang="es-MX" dirty="0"/>
           </a:p>
         </p:txBody>
       </p:sp>
@@ -993,23 +1946,22 @@
         </p:nvSpPr>
         <p:spPr>
           <a:xfrm>
-            <a:off x="722313" y="4406900"/>
+            <a:off x="2209800" y="3355767"/>
             <a:ext cx="7772400" cy="1362075"/>
           </a:xfrm>
         </p:spPr>
         <p:txBody>
           <a:bodyPr anchor="t"/>
           <a:lstStyle>
-            <a:lvl1pPr algn="l">
+            <a:lvl1pPr algn="ctr">
               <a:defRPr sz="4000" b="1" cap="all"/>
             </a:lvl1pPr>
           </a:lstStyle>
           <a:p>
             <a:r>
-              <a:rPr lang="en-US" smtClean="0"/>
+              <a:rPr lang="en-US" dirty="0"/>
               <a:t>Click to edit Master title style</a:t>
             </a:r>
-            <a:endParaRPr lang="en-US"/>
           </a:p>
         </p:txBody>
       </p:sp>
@@ -1025,14 +1977,14 @@
         </p:nvSpPr>
         <p:spPr>
           <a:xfrm>
-            <a:off x="722313" y="2906713"/>
+            <a:off x="2209800" y="950913"/>
             <a:ext cx="7772400" cy="1500187"/>
           </a:xfrm>
         </p:spPr>
         <p:txBody>
           <a:bodyPr anchor="b"/>
           <a:lstStyle>
-            <a:lvl1pPr marL="0" indent="0">
+            <a:lvl1pPr marL="0" indent="0" algn="ctr">
               <a:buNone/>
               <a:defRPr sz="2000">
                 <a:solidFill>
@@ -1126,7 +2078,7 @@
           <a:p>
             <a:pPr lvl="0"/>
             <a:r>
-              <a:rPr lang="en-US" smtClean="0"/>
+              <a:rPr lang="en-US" dirty="0"/>
               <a:t>Click to edit Master text styles</a:t>
             </a:r>
           </a:p>
@@ -1149,7 +2101,7 @@
           <a:p>
             <a:fld id="{241EB5C9-1307-BA42-ABA2-0BC069CD8E7F}" type="datetimeFigureOut">
               <a:rPr lang="en-US" smtClean="0"/>
-              <a:t>4/5/2019</a:t>
+              <a:t>4/4/2022</a:t>
             </a:fld>
             <a:endParaRPr lang="en-US"/>
           </a:p>
@@ -1176,24 +2128,53 @@
       </p:sp>
       <p:sp>
         <p:nvSpPr>
-          <p:cNvPr id="6" name="Slide Number Placeholder 5"/>
+          <p:cNvPr id="7" name="Marcador de número de diapositiva 5">
+            <a:extLst>
+              <a:ext uri="{FF2B5EF4-FFF2-40B4-BE49-F238E27FC236}">
+                <a16:creationId xmlns:a16="http://schemas.microsoft.com/office/drawing/2014/main" id="{E6775167-D5E7-44F9-BD2D-06DD62E4620A}"/>
+              </a:ext>
+            </a:extLst>
+          </p:cNvPr>
           <p:cNvSpPr>
             <a:spLocks noGrp="1"/>
           </p:cNvSpPr>
           <p:nvPr>
-            <p:ph type="sldNum" sz="quarter" idx="12"/>
+            <p:ph type="sldNum" sz="quarter" idx="4"/>
           </p:nvPr>
         </p:nvSpPr>
-        <p:spPr/>
+        <p:spPr>
+          <a:xfrm>
+            <a:off x="7829550" y="6356350"/>
+            <a:ext cx="3524250" cy="365125"/>
+          </a:xfrm>
+          <a:prstGeom prst="rect">
+            <a:avLst/>
+          </a:prstGeom>
+        </p:spPr>
         <p:txBody>
-          <a:bodyPr/>
-          <a:lstStyle/>
-          <a:p>
-            <a:fld id="{C5EF2332-01BF-834F-8236-50238282D533}" type="slidenum">
-              <a:rPr lang="en-US" smtClean="0"/>
-              <a:t>‹#›</a:t>
-            </a:fld>
-            <a:endParaRPr lang="en-US"/>
+          <a:bodyPr vert="horz" lIns="91440" tIns="45720" rIns="91440" bIns="45720" rtlCol="0" anchor="ctr"/>
+          <a:lstStyle>
+            <a:lvl1pPr algn="r">
+              <a:defRPr sz="1200">
+                <a:solidFill>
+                  <a:schemeClr val="tx1">
+                    <a:tint val="75000"/>
+                  </a:schemeClr>
+                </a:solidFill>
+              </a:defRPr>
+            </a:lvl1pPr>
+          </a:lstStyle>
+          <a:p>
+            <a:r>
+              <a:rPr lang="es-MX" sz="1800" b="1" i="0" u="none" strike="noStrike" baseline="0" dirty="0">
+                <a:solidFill>
+                  <a:srgbClr val="86358B"/>
+                </a:solidFill>
+                <a:latin typeface="LMRoman10-Bold"/>
+              </a:rPr>
+              <a:t>Tonatiuh Bravo Padilla | Regidor</a:t>
+            </a:r>
+            <a:endParaRPr lang="es-MX" dirty="0"/>
           </a:p>
         </p:txBody>
       </p:sp>
@@ -1237,16 +2218,26 @@
             <p:ph type="title"/>
           </p:nvPr>
         </p:nvSpPr>
-        <p:spPr/>
+        <p:spPr>
+          <a:xfrm>
+            <a:off x="838200" y="365125"/>
+            <a:ext cx="10515600" cy="563265"/>
+          </a:xfrm>
+        </p:spPr>
         <p:txBody>
-          <a:bodyPr/>
-          <a:lstStyle/>
-          <a:p>
-            <a:r>
-              <a:rPr lang="en-US" smtClean="0"/>
+          <a:bodyPr>
+            <a:normAutofit/>
+          </a:bodyPr>
+          <a:lstStyle>
+            <a:lvl1pPr>
+              <a:defRPr sz="3600"/>
+            </a:lvl1pPr>
+          </a:lstStyle>
+          <a:p>
+            <a:r>
+              <a:rPr lang="en-US" dirty="0"/>
               <a:t>Click to edit Master title style</a:t>
             </a:r>
-            <a:endParaRPr lang="en-US"/>
           </a:p>
         </p:txBody>
       </p:sp>
@@ -1262,8 +2253,8 @@
         </p:nvSpPr>
         <p:spPr>
           <a:xfrm>
-            <a:off x="457200" y="1600200"/>
-            <a:ext cx="4038600" cy="4525963"/>
+            <a:off x="838200" y="1136591"/>
+            <a:ext cx="5015670" cy="4793019"/>
           </a:xfrm>
         </p:spPr>
         <p:txBody>
@@ -1300,38 +2291,37 @@
           <a:p>
             <a:pPr lvl="0"/>
             <a:r>
-              <a:rPr lang="en-US" smtClean="0"/>
+              <a:rPr lang="en-US" dirty="0"/>
               <a:t>Click to edit Master text styles</a:t>
             </a:r>
           </a:p>
           <a:p>
             <a:pPr lvl="1"/>
             <a:r>
-              <a:rPr lang="en-US" smtClean="0"/>
+              <a:rPr lang="en-US" dirty="0"/>
               <a:t>Second level</a:t>
             </a:r>
           </a:p>
           <a:p>
             <a:pPr lvl="2"/>
             <a:r>
-              <a:rPr lang="en-US" smtClean="0"/>
+              <a:rPr lang="en-US" dirty="0"/>
               <a:t>Third level</a:t>
             </a:r>
           </a:p>
           <a:p>
             <a:pPr lvl="3"/>
             <a:r>
-              <a:rPr lang="en-US" smtClean="0"/>
+              <a:rPr lang="en-US" dirty="0"/>
               <a:t>Fourth level</a:t>
             </a:r>
           </a:p>
           <a:p>
             <a:pPr lvl="4"/>
             <a:r>
-              <a:rPr lang="en-US" smtClean="0"/>
+              <a:rPr lang="en-US" dirty="0"/>
               <a:t>Fifth level</a:t>
             </a:r>
-            <a:endParaRPr lang="en-US"/>
           </a:p>
         </p:txBody>
       </p:sp>
@@ -1347,8 +2337,8 @@
         </p:nvSpPr>
         <p:spPr>
           <a:xfrm>
-            <a:off x="4648200" y="1600200"/>
-            <a:ext cx="4038600" cy="4525963"/>
+            <a:off x="6096000" y="1136592"/>
+            <a:ext cx="5257801" cy="4793018"/>
           </a:xfrm>
         </p:spPr>
         <p:txBody>
@@ -1385,38 +2375,37 @@
           <a:p>
             <a:pPr lvl="0"/>
             <a:r>
-              <a:rPr lang="en-US" smtClean="0"/>
+              <a:rPr lang="en-US" dirty="0"/>
               <a:t>Click to edit Master text styles</a:t>
             </a:r>
           </a:p>
           <a:p>
             <a:pPr lvl="1"/>
             <a:r>
-              <a:rPr lang="en-US" smtClean="0"/>
+              <a:rPr lang="en-US" dirty="0"/>
               <a:t>Second level</a:t>
             </a:r>
           </a:p>
           <a:p>
             <a:pPr lvl="2"/>
             <a:r>
-              <a:rPr lang="en-US" smtClean="0"/>
+              <a:rPr lang="en-US" dirty="0"/>
               <a:t>Third level</a:t>
             </a:r>
           </a:p>
           <a:p>
             <a:pPr lvl="3"/>
             <a:r>
-              <a:rPr lang="en-US" smtClean="0"/>
+              <a:rPr lang="en-US" dirty="0"/>
               <a:t>Fourth level</a:t>
             </a:r>
           </a:p>
           <a:p>
             <a:pPr lvl="4"/>
             <a:r>
-              <a:rPr lang="en-US" smtClean="0"/>
+              <a:rPr lang="en-US" dirty="0"/>
               <a:t>Fifth level</a:t>
             </a:r>
-            <a:endParaRPr lang="en-US"/>
           </a:p>
         </p:txBody>
       </p:sp>
@@ -1437,7 +2426,7 @@
           <a:p>
             <a:fld id="{241EB5C9-1307-BA42-ABA2-0BC069CD8E7F}" type="datetimeFigureOut">
               <a:rPr lang="en-US" smtClean="0"/>
-              <a:t>4/5/2019</a:t>
+              <a:t>4/4/2022</a:t>
             </a:fld>
             <a:endParaRPr lang="en-US"/>
           </a:p>
@@ -1464,24 +2453,53 @@
       </p:sp>
       <p:sp>
         <p:nvSpPr>
-          <p:cNvPr id="7" name="Slide Number Placeholder 6"/>
+          <p:cNvPr id="8" name="Marcador de número de diapositiva 5">
+            <a:extLst>
+              <a:ext uri="{FF2B5EF4-FFF2-40B4-BE49-F238E27FC236}">
+                <a16:creationId xmlns:a16="http://schemas.microsoft.com/office/drawing/2014/main" id="{8EC83CCF-2CB3-43EF-8DDD-3DDAE79C26DB}"/>
+              </a:ext>
+            </a:extLst>
+          </p:cNvPr>
           <p:cNvSpPr>
             <a:spLocks noGrp="1"/>
           </p:cNvSpPr>
           <p:nvPr>
-            <p:ph type="sldNum" sz="quarter" idx="12"/>
+            <p:ph type="sldNum" sz="quarter" idx="4"/>
           </p:nvPr>
         </p:nvSpPr>
-        <p:spPr/>
+        <p:spPr>
+          <a:xfrm>
+            <a:off x="7829550" y="6356350"/>
+            <a:ext cx="3524250" cy="365125"/>
+          </a:xfrm>
+          <a:prstGeom prst="rect">
+            <a:avLst/>
+          </a:prstGeom>
+        </p:spPr>
         <p:txBody>
-          <a:bodyPr/>
-          <a:lstStyle/>
-          <a:p>
-            <a:fld id="{C5EF2332-01BF-834F-8236-50238282D533}" type="slidenum">
-              <a:rPr lang="en-US" smtClean="0"/>
-              <a:t>‹#›</a:t>
-            </a:fld>
-            <a:endParaRPr lang="en-US"/>
+          <a:bodyPr vert="horz" lIns="91440" tIns="45720" rIns="91440" bIns="45720" rtlCol="0" anchor="ctr"/>
+          <a:lstStyle>
+            <a:lvl1pPr algn="r">
+              <a:defRPr sz="1200">
+                <a:solidFill>
+                  <a:schemeClr val="tx1">
+                    <a:tint val="75000"/>
+                  </a:schemeClr>
+                </a:solidFill>
+              </a:defRPr>
+            </a:lvl1pPr>
+          </a:lstStyle>
+          <a:p>
+            <a:r>
+              <a:rPr lang="es-MX" sz="1800" b="1" i="0" u="none" strike="noStrike" baseline="0" dirty="0">
+                <a:solidFill>
+                  <a:srgbClr val="86358B"/>
+                </a:solidFill>
+                <a:latin typeface="LMRoman10-Bold"/>
+              </a:rPr>
+              <a:t>Tonatiuh Bravo Padilla | Regidor</a:t>
+            </a:r>
+            <a:endParaRPr lang="es-MX" dirty="0"/>
           </a:p>
         </p:txBody>
       </p:sp>
@@ -1520,7 +2538,7 @@
           <p:cNvPr id="2" name="Título 1">
             <a:extLst>
               <a:ext uri="{FF2B5EF4-FFF2-40B4-BE49-F238E27FC236}">
-                <a16:creationId xmlns:a16="http://schemas.microsoft.com/office/drawing/2014/main" id="{A6762DB0-BA65-4B94-9A6C-E46EFAF97C8A}"/>
+                <a16:creationId xmlns:a16="http://schemas.microsoft.com/office/drawing/2014/main" id="{5A71A447-9C89-42A1-A9CA-41EE5FBA34F8}"/>
               </a:ext>
             </a:extLst>
           </p:cNvPr>
@@ -1534,18 +2552,24 @@
         <p:spPr>
           <a:xfrm>
             <a:off x="839788" y="365125"/>
-            <a:ext cx="10515600" cy="1325563"/>
+            <a:ext cx="10515600" cy="532183"/>
           </a:xfrm>
         </p:spPr>
         <p:txBody>
-          <a:bodyPr/>
-          <a:lstStyle/>
-          <a:p>
-            <a:r>
-              <a:rPr lang="es-ES"/>
+          <a:bodyPr>
+            <a:normAutofit/>
+          </a:bodyPr>
+          <a:lstStyle>
+            <a:lvl1pPr>
+              <a:defRPr sz="3200"/>
+            </a:lvl1pPr>
+          </a:lstStyle>
+          <a:p>
+            <a:r>
+              <a:rPr lang="es-ES" dirty="0"/>
               <a:t>Haga clic para modificar el estilo de título del patrón</a:t>
             </a:r>
-            <a:endParaRPr lang="es-MX"/>
+            <a:endParaRPr lang="es-MX" dirty="0"/>
           </a:p>
         </p:txBody>
       </p:sp>
@@ -1554,7 +2578,7 @@
           <p:cNvPr id="3" name="Marcador de texto 2">
             <a:extLst>
               <a:ext uri="{FF2B5EF4-FFF2-40B4-BE49-F238E27FC236}">
-                <a16:creationId xmlns:a16="http://schemas.microsoft.com/office/drawing/2014/main" id="{6F559CD0-41EB-4B52-A86C-50027EC8E7FC}"/>
+                <a16:creationId xmlns:a16="http://schemas.microsoft.com/office/drawing/2014/main" id="{C7D389C9-AD83-4A8F-A5EE-108917503BD7}"/>
               </a:ext>
             </a:extLst>
           </p:cNvPr>
@@ -1567,8 +2591,8 @@
         </p:nvSpPr>
         <p:spPr>
           <a:xfrm>
-            <a:off x="839788" y="1681163"/>
-            <a:ext cx="5157787" cy="823912"/>
+            <a:off x="839788" y="999858"/>
+            <a:ext cx="5157787" cy="681305"/>
           </a:xfrm>
         </p:spPr>
         <p:txBody>
@@ -1614,7 +2638,7 @@
           <a:p>
             <a:pPr lvl="0"/>
             <a:r>
-              <a:rPr lang="es-ES"/>
+              <a:rPr lang="es-ES" dirty="0"/>
               <a:t>Haga clic para modificar los estilos de texto del patrón</a:t>
             </a:r>
           </a:p>
@@ -1625,7 +2649,7 @@
           <p:cNvPr id="4" name="Marcador de contenido 3">
             <a:extLst>
               <a:ext uri="{FF2B5EF4-FFF2-40B4-BE49-F238E27FC236}">
-                <a16:creationId xmlns:a16="http://schemas.microsoft.com/office/drawing/2014/main" id="{4F272604-74D8-44F9-B448-6A03DEA55D40}"/>
+                <a16:creationId xmlns:a16="http://schemas.microsoft.com/office/drawing/2014/main" id="{D959111A-1560-4C2D-BA07-8C38B2F24C20}"/>
               </a:ext>
             </a:extLst>
           </p:cNvPr>
@@ -1638,8 +2662,8 @@
         </p:nvSpPr>
         <p:spPr>
           <a:xfrm>
-            <a:off x="839788" y="2505075"/>
-            <a:ext cx="5157787" cy="3684588"/>
+            <a:off x="839788" y="1783713"/>
+            <a:ext cx="5157787" cy="4405950"/>
           </a:xfrm>
         </p:spPr>
         <p:txBody>
@@ -1648,38 +2672,38 @@
           <a:p>
             <a:pPr lvl="0"/>
             <a:r>
-              <a:rPr lang="es-ES"/>
+              <a:rPr lang="es-ES" dirty="0"/>
               <a:t>Haga clic para modificar los estilos de texto del patrón</a:t>
             </a:r>
           </a:p>
           <a:p>
             <a:pPr lvl="1"/>
             <a:r>
-              <a:rPr lang="es-ES"/>
+              <a:rPr lang="es-ES" dirty="0"/>
               <a:t>Segundo nivel</a:t>
             </a:r>
           </a:p>
           <a:p>
             <a:pPr lvl="2"/>
             <a:r>
-              <a:rPr lang="es-ES"/>
+              <a:rPr lang="es-ES" dirty="0"/>
               <a:t>Tercer nivel</a:t>
             </a:r>
           </a:p>
           <a:p>
             <a:pPr lvl="3"/>
             <a:r>
-              <a:rPr lang="es-ES"/>
+              <a:rPr lang="es-ES" dirty="0"/>
               <a:t>Cuarto nivel</a:t>
             </a:r>
           </a:p>
           <a:p>
             <a:pPr lvl="4"/>
             <a:r>
-              <a:rPr lang="es-ES"/>
+              <a:rPr lang="es-ES" dirty="0"/>
               <a:t>Quinto nivel</a:t>
             </a:r>
-            <a:endParaRPr lang="es-MX"/>
+            <a:endParaRPr lang="es-MX" dirty="0"/>
           </a:p>
         </p:txBody>
       </p:sp>
@@ -1688,7 +2712,7 @@
           <p:cNvPr id="5" name="Marcador de texto 4">
             <a:extLst>
               <a:ext uri="{FF2B5EF4-FFF2-40B4-BE49-F238E27FC236}">
-                <a16:creationId xmlns:a16="http://schemas.microsoft.com/office/drawing/2014/main" id="{2FAFC4C7-2644-4105-89AA-4EC3222BB853}"/>
+                <a16:creationId xmlns:a16="http://schemas.microsoft.com/office/drawing/2014/main" id="{541AC084-229D-4B2E-BE3F-15F583F5F77D}"/>
               </a:ext>
             </a:extLst>
           </p:cNvPr>
@@ -1701,8 +2725,8 @@
         </p:nvSpPr>
         <p:spPr>
           <a:xfrm>
-            <a:off x="6172200" y="1681163"/>
-            <a:ext cx="5183188" cy="823912"/>
+            <a:off x="6172200" y="999858"/>
+            <a:ext cx="5183188" cy="681305"/>
           </a:xfrm>
         </p:spPr>
         <p:txBody>
@@ -1748,7 +2772,7 @@
           <a:p>
             <a:pPr lvl="0"/>
             <a:r>
-              <a:rPr lang="es-ES"/>
+              <a:rPr lang="es-ES" dirty="0"/>
               <a:t>Haga clic para modificar los estilos de texto del patrón</a:t>
             </a:r>
           </a:p>
@@ -1759,7 +2783,7 @@
           <p:cNvPr id="6" name="Marcador de contenido 5">
             <a:extLst>
               <a:ext uri="{FF2B5EF4-FFF2-40B4-BE49-F238E27FC236}">
-                <a16:creationId xmlns:a16="http://schemas.microsoft.com/office/drawing/2014/main" id="{B1BCB063-6C2F-4593-8012-4D805D9177F8}"/>
+                <a16:creationId xmlns:a16="http://schemas.microsoft.com/office/drawing/2014/main" id="{00CACC60-FFB8-48E1-A070-D502543FDE10}"/>
               </a:ext>
             </a:extLst>
           </p:cNvPr>
@@ -1772,8 +2796,8 @@
         </p:nvSpPr>
         <p:spPr>
           <a:xfrm>
-            <a:off x="6172200" y="2505075"/>
-            <a:ext cx="5183188" cy="3684588"/>
+            <a:off x="6172200" y="1783713"/>
+            <a:ext cx="5183188" cy="4405950"/>
           </a:xfrm>
         </p:spPr>
         <p:txBody>
@@ -1782,38 +2806,38 @@
           <a:p>
             <a:pPr lvl="0"/>
             <a:r>
-              <a:rPr lang="es-ES"/>
+              <a:rPr lang="es-ES" dirty="0"/>
               <a:t>Haga clic para modificar los estilos de texto del patrón</a:t>
             </a:r>
           </a:p>
           <a:p>
             <a:pPr lvl="1"/>
             <a:r>
-              <a:rPr lang="es-ES"/>
+              <a:rPr lang="es-ES" dirty="0"/>
               <a:t>Segundo nivel</a:t>
             </a:r>
           </a:p>
           <a:p>
             <a:pPr lvl="2"/>
             <a:r>
-              <a:rPr lang="es-ES"/>
+              <a:rPr lang="es-ES" dirty="0"/>
               <a:t>Tercer nivel</a:t>
             </a:r>
           </a:p>
           <a:p>
             <a:pPr lvl="3"/>
             <a:r>
-              <a:rPr lang="es-ES"/>
+              <a:rPr lang="es-ES" dirty="0"/>
               <a:t>Cuarto nivel</a:t>
             </a:r>
           </a:p>
           <a:p>
             <a:pPr lvl="4"/>
             <a:r>
-              <a:rPr lang="es-ES"/>
+              <a:rPr lang="es-ES" dirty="0"/>
               <a:t>Quinto nivel</a:t>
             </a:r>
-            <a:endParaRPr lang="es-MX"/>
+            <a:endParaRPr lang="es-MX" dirty="0"/>
           </a:p>
         </p:txBody>
       </p:sp>
@@ -1822,7 +2846,7 @@
           <p:cNvPr id="7" name="Marcador de fecha 6">
             <a:extLst>
               <a:ext uri="{FF2B5EF4-FFF2-40B4-BE49-F238E27FC236}">
-                <a16:creationId xmlns:a16="http://schemas.microsoft.com/office/drawing/2014/main" id="{9157E52E-B574-4752-B692-37C2C1CB3D2C}"/>
+                <a16:creationId xmlns:a16="http://schemas.microsoft.com/office/drawing/2014/main" id="{609597D4-293E-49C0-A47D-CCD8FE7D0593}"/>
               </a:ext>
             </a:extLst>
           </p:cNvPr>
@@ -1833,14 +2857,22 @@
             <p:ph type="dt" sz="half" idx="10"/>
           </p:nvPr>
         </p:nvSpPr>
-        <p:spPr/>
+        <p:spPr>
+          <a:xfrm>
+            <a:off x="838200" y="6356350"/>
+            <a:ext cx="2743200" cy="365125"/>
+          </a:xfrm>
+          <a:prstGeom prst="rect">
+            <a:avLst/>
+          </a:prstGeom>
+        </p:spPr>
         <p:txBody>
           <a:bodyPr/>
           <a:lstStyle/>
           <a:p>
-            <a:fld id="{736545F3-8D3D-4D05-8A54-09E52B7ADA46}" type="datetimeFigureOut">
+            <a:fld id="{E23B9695-3AEE-4E33-99F8-3B877BBEF786}" type="datetimeFigureOut">
               <a:rPr lang="es-MX" smtClean="0"/>
-              <a:t>29/01/2022</a:t>
+              <a:t>04/04/2022</a:t>
             </a:fld>
             <a:endParaRPr lang="es-MX"/>
           </a:p>
@@ -1848,62 +2880,144 @@
       </p:sp>
       <p:sp>
         <p:nvSpPr>
-          <p:cNvPr id="8" name="Marcador de pie de página 7">
+          <p:cNvPr id="10" name="Marcador de número de diapositiva 5">
             <a:extLst>
               <a:ext uri="{FF2B5EF4-FFF2-40B4-BE49-F238E27FC236}">
-                <a16:creationId xmlns:a16="http://schemas.microsoft.com/office/drawing/2014/main" id="{1710782A-365F-478C-9235-93AC222AD548}"/>
+                <a16:creationId xmlns:a16="http://schemas.microsoft.com/office/drawing/2014/main" id="{9C44B923-7184-427C-AD7E-E1E0BE5525E8}"/>
               </a:ext>
             </a:extLst>
           </p:cNvPr>
-          <p:cNvSpPr>
-            <a:spLocks noGrp="1"/>
+          <p:cNvSpPr txBox="1">
+            <a:spLocks/>
           </p:cNvSpPr>
-          <p:nvPr>
-            <p:ph type="ftr" sz="quarter" idx="11"/>
-          </p:nvPr>
+          <p:nvPr userDrawn="1"/>
         </p:nvSpPr>
-        <p:spPr/>
+        <p:spPr>
+          <a:xfrm>
+            <a:off x="7829550" y="6356350"/>
+            <a:ext cx="3524250" cy="365125"/>
+          </a:xfrm>
+          <a:prstGeom prst="rect">
+            <a:avLst/>
+          </a:prstGeom>
+        </p:spPr>
         <p:txBody>
-          <a:bodyPr/>
-          <a:lstStyle/>
-          <a:p>
-            <a:endParaRPr lang="es-MX"/>
-          </a:p>
-        </p:txBody>
-      </p:sp>
-      <p:sp>
-        <p:nvSpPr>
-          <p:cNvPr id="9" name="Marcador de número de diapositiva 8">
-            <a:extLst>
-              <a:ext uri="{FF2B5EF4-FFF2-40B4-BE49-F238E27FC236}">
-                <a16:creationId xmlns:a16="http://schemas.microsoft.com/office/drawing/2014/main" id="{BE429D72-2256-45CE-87FC-6B9481016BB3}"/>
-              </a:ext>
-            </a:extLst>
-          </p:cNvPr>
-          <p:cNvSpPr>
-            <a:spLocks noGrp="1"/>
-          </p:cNvSpPr>
-          <p:nvPr>
-            <p:ph type="sldNum" sz="quarter" idx="12"/>
-          </p:nvPr>
-        </p:nvSpPr>
-        <p:spPr/>
-        <p:txBody>
-          <a:bodyPr/>
-          <a:lstStyle/>
-          <a:p>
-            <a:fld id="{0C9EBE43-8140-4FD4-875D-BFFE9B2D9EEE}" type="slidenum">
-              <a:rPr lang="es-MX" smtClean="0"/>
-              <a:t>‹Nº›</a:t>
-            </a:fld>
-            <a:endParaRPr lang="es-MX"/>
+          <a:bodyPr vert="horz" lIns="91440" tIns="45720" rIns="91440" bIns="45720" rtlCol="0" anchor="ctr"/>
+          <a:lstStyle>
+            <a:defPPr>
+              <a:defRPr lang="es-MX"/>
+            </a:defPPr>
+            <a:lvl1pPr marL="0" algn="r" defTabSz="914400" rtl="0" eaLnBrk="1" latinLnBrk="0" hangingPunct="1">
+              <a:defRPr sz="1200" kern="1200">
+                <a:solidFill>
+                  <a:schemeClr val="tx1">
+                    <a:tint val="75000"/>
+                  </a:schemeClr>
+                </a:solidFill>
+                <a:latin typeface="+mn-lt"/>
+                <a:ea typeface="+mn-ea"/>
+                <a:cs typeface="+mn-cs"/>
+              </a:defRPr>
+            </a:lvl1pPr>
+            <a:lvl2pPr marL="457200" algn="l" defTabSz="914400" rtl="0" eaLnBrk="1" latinLnBrk="0" hangingPunct="1">
+              <a:defRPr sz="1800" kern="1200">
+                <a:solidFill>
+                  <a:schemeClr val="tx1"/>
+                </a:solidFill>
+                <a:latin typeface="+mn-lt"/>
+                <a:ea typeface="+mn-ea"/>
+                <a:cs typeface="+mn-cs"/>
+              </a:defRPr>
+            </a:lvl2pPr>
+            <a:lvl3pPr marL="914400" algn="l" defTabSz="914400" rtl="0" eaLnBrk="1" latinLnBrk="0" hangingPunct="1">
+              <a:defRPr sz="1800" kern="1200">
+                <a:solidFill>
+                  <a:schemeClr val="tx1"/>
+                </a:solidFill>
+                <a:latin typeface="+mn-lt"/>
+                <a:ea typeface="+mn-ea"/>
+                <a:cs typeface="+mn-cs"/>
+              </a:defRPr>
+            </a:lvl3pPr>
+            <a:lvl4pPr marL="1371600" algn="l" defTabSz="914400" rtl="0" eaLnBrk="1" latinLnBrk="0" hangingPunct="1">
+              <a:defRPr sz="1800" kern="1200">
+                <a:solidFill>
+                  <a:schemeClr val="tx1"/>
+                </a:solidFill>
+                <a:latin typeface="+mn-lt"/>
+                <a:ea typeface="+mn-ea"/>
+                <a:cs typeface="+mn-cs"/>
+              </a:defRPr>
+            </a:lvl4pPr>
+            <a:lvl5pPr marL="1828800" algn="l" defTabSz="914400" rtl="0" eaLnBrk="1" latinLnBrk="0" hangingPunct="1">
+              <a:defRPr sz="1800" kern="1200">
+                <a:solidFill>
+                  <a:schemeClr val="tx1"/>
+                </a:solidFill>
+                <a:latin typeface="+mn-lt"/>
+                <a:ea typeface="+mn-ea"/>
+                <a:cs typeface="+mn-cs"/>
+              </a:defRPr>
+            </a:lvl5pPr>
+            <a:lvl6pPr marL="2286000" algn="l" defTabSz="914400" rtl="0" eaLnBrk="1" latinLnBrk="0" hangingPunct="1">
+              <a:defRPr sz="1800" kern="1200">
+                <a:solidFill>
+                  <a:schemeClr val="tx1"/>
+                </a:solidFill>
+                <a:latin typeface="+mn-lt"/>
+                <a:ea typeface="+mn-ea"/>
+                <a:cs typeface="+mn-cs"/>
+              </a:defRPr>
+            </a:lvl6pPr>
+            <a:lvl7pPr marL="2743200" algn="l" defTabSz="914400" rtl="0" eaLnBrk="1" latinLnBrk="0" hangingPunct="1">
+              <a:defRPr sz="1800" kern="1200">
+                <a:solidFill>
+                  <a:schemeClr val="tx1"/>
+                </a:solidFill>
+                <a:latin typeface="+mn-lt"/>
+                <a:ea typeface="+mn-ea"/>
+                <a:cs typeface="+mn-cs"/>
+              </a:defRPr>
+            </a:lvl7pPr>
+            <a:lvl8pPr marL="3200400" algn="l" defTabSz="914400" rtl="0" eaLnBrk="1" latinLnBrk="0" hangingPunct="1">
+              <a:defRPr sz="1800" kern="1200">
+                <a:solidFill>
+                  <a:schemeClr val="tx1"/>
+                </a:solidFill>
+                <a:latin typeface="+mn-lt"/>
+                <a:ea typeface="+mn-ea"/>
+                <a:cs typeface="+mn-cs"/>
+              </a:defRPr>
+            </a:lvl8pPr>
+            <a:lvl9pPr marL="3657600" algn="l" defTabSz="914400" rtl="0" eaLnBrk="1" latinLnBrk="0" hangingPunct="1">
+              <a:defRPr sz="1800" kern="1200">
+                <a:solidFill>
+                  <a:schemeClr val="tx1"/>
+                </a:solidFill>
+                <a:latin typeface="+mn-lt"/>
+                <a:ea typeface="+mn-ea"/>
+                <a:cs typeface="+mn-cs"/>
+              </a:defRPr>
+            </a:lvl9pPr>
+          </a:lstStyle>
+          <a:p>
+            <a:r>
+              <a:rPr lang="es-MX" sz="1800" b="1" dirty="0">
+                <a:solidFill>
+                  <a:srgbClr val="86358B"/>
+                </a:solidFill>
+                <a:latin typeface="LMRoman10-Bold"/>
+              </a:rPr>
+              <a:t>Tonatiuh Bravo Padilla | Regidor</a:t>
+            </a:r>
+            <a:endParaRPr lang="es-MX" dirty="0"/>
           </a:p>
         </p:txBody>
       </p:sp>
     </p:spTree>
     <p:extLst>
       <p:ext uri="{BB962C8B-B14F-4D97-AF65-F5344CB8AC3E}">
-        <p14:creationId xmlns:p14="http://schemas.microsoft.com/office/powerpoint/2010/main" val="3993833028"/>
+        <p14:creationId xmlns:p14="http://schemas.microsoft.com/office/powerpoint/2010/main" val="4047248305"/>
       </p:ext>
     </p:extLst>
   </p:cSld>
@@ -1935,7 +3049,7 @@
           <p:cNvPr id="2" name="Título 1">
             <a:extLst>
               <a:ext uri="{FF2B5EF4-FFF2-40B4-BE49-F238E27FC236}">
-                <a16:creationId xmlns:a16="http://schemas.microsoft.com/office/drawing/2014/main" id="{0209CF46-47C9-43AE-9F16-B42A87C61759}"/>
+                <a16:creationId xmlns:a16="http://schemas.microsoft.com/office/drawing/2014/main" id="{C28A0E6B-6DE6-4591-8A0B-FC7765B7F4A6}"/>
               </a:ext>
             </a:extLst>
           </p:cNvPr>
@@ -1948,14 +3062,20 @@
         </p:nvSpPr>
         <p:spPr/>
         <p:txBody>
-          <a:bodyPr/>
-          <a:lstStyle/>
-          <a:p>
-            <a:r>
-              <a:rPr lang="es-ES"/>
+          <a:bodyPr>
+            <a:normAutofit/>
+          </a:bodyPr>
+          <a:lstStyle>
+            <a:lvl1pPr>
+              <a:defRPr sz="3600"/>
+            </a:lvl1pPr>
+          </a:lstStyle>
+          <a:p>
+            <a:r>
+              <a:rPr lang="es-ES" dirty="0"/>
               <a:t>Haga clic para modificar el estilo de título del patrón</a:t>
             </a:r>
-            <a:endParaRPr lang="es-MX"/>
+            <a:endParaRPr lang="es-MX" dirty="0"/>
           </a:p>
         </p:txBody>
       </p:sp>
@@ -1964,7 +3084,7 @@
           <p:cNvPr id="3" name="Marcador de fecha 2">
             <a:extLst>
               <a:ext uri="{FF2B5EF4-FFF2-40B4-BE49-F238E27FC236}">
-                <a16:creationId xmlns:a16="http://schemas.microsoft.com/office/drawing/2014/main" id="{173EBE3D-C532-43EE-A8FD-CB148EBAB968}"/>
+                <a16:creationId xmlns:a16="http://schemas.microsoft.com/office/drawing/2014/main" id="{C748321C-6BEA-464C-BD3A-621856BB1CF0}"/>
               </a:ext>
             </a:extLst>
           </p:cNvPr>
@@ -1975,14 +3095,22 @@
             <p:ph type="dt" sz="half" idx="10"/>
           </p:nvPr>
         </p:nvSpPr>
-        <p:spPr/>
+        <p:spPr>
+          <a:xfrm>
+            <a:off x="838200" y="6356350"/>
+            <a:ext cx="2743200" cy="365125"/>
+          </a:xfrm>
+          <a:prstGeom prst="rect">
+            <a:avLst/>
+          </a:prstGeom>
+        </p:spPr>
         <p:txBody>
           <a:bodyPr/>
           <a:lstStyle/>
           <a:p>
-            <a:fld id="{736545F3-8D3D-4D05-8A54-09E52B7ADA46}" type="datetimeFigureOut">
+            <a:fld id="{E23B9695-3AEE-4E33-99F8-3B877BBEF786}" type="datetimeFigureOut">
               <a:rPr lang="es-MX" smtClean="0"/>
-              <a:t>29/01/2022</a:t>
+              <a:t>04/04/2022</a:t>
             </a:fld>
             <a:endParaRPr lang="es-MX"/>
           </a:p>
@@ -1990,62 +3118,144 @@
       </p:sp>
       <p:sp>
         <p:nvSpPr>
-          <p:cNvPr id="4" name="Marcador de pie de página 3">
+          <p:cNvPr id="6" name="Marcador de número de diapositiva 5">
             <a:extLst>
               <a:ext uri="{FF2B5EF4-FFF2-40B4-BE49-F238E27FC236}">
-                <a16:creationId xmlns:a16="http://schemas.microsoft.com/office/drawing/2014/main" id="{B974D10B-07C5-4805-8B48-661CD04F25E2}"/>
+                <a16:creationId xmlns:a16="http://schemas.microsoft.com/office/drawing/2014/main" id="{21441315-77CB-46D3-91D4-9883FE7936CE}"/>
               </a:ext>
             </a:extLst>
           </p:cNvPr>
-          <p:cNvSpPr>
-            <a:spLocks noGrp="1"/>
+          <p:cNvSpPr txBox="1">
+            <a:spLocks/>
           </p:cNvSpPr>
-          <p:nvPr>
-            <p:ph type="ftr" sz="quarter" idx="11"/>
-          </p:nvPr>
+          <p:nvPr userDrawn="1"/>
         </p:nvSpPr>
-        <p:spPr/>
+        <p:spPr>
+          <a:xfrm>
+            <a:off x="7829550" y="6356350"/>
+            <a:ext cx="3524250" cy="365125"/>
+          </a:xfrm>
+          <a:prstGeom prst="rect">
+            <a:avLst/>
+          </a:prstGeom>
+        </p:spPr>
         <p:txBody>
-          <a:bodyPr/>
-          <a:lstStyle/>
-          <a:p>
-            <a:endParaRPr lang="es-MX"/>
-          </a:p>
-        </p:txBody>
-      </p:sp>
-      <p:sp>
-        <p:nvSpPr>
-          <p:cNvPr id="5" name="Marcador de número de diapositiva 4">
-            <a:extLst>
-              <a:ext uri="{FF2B5EF4-FFF2-40B4-BE49-F238E27FC236}">
-                <a16:creationId xmlns:a16="http://schemas.microsoft.com/office/drawing/2014/main" id="{2DAEEBB9-F5FD-4A23-8ECD-08B5FED68905}"/>
-              </a:ext>
-            </a:extLst>
-          </p:cNvPr>
-          <p:cNvSpPr>
-            <a:spLocks noGrp="1"/>
-          </p:cNvSpPr>
-          <p:nvPr>
-            <p:ph type="sldNum" sz="quarter" idx="12"/>
-          </p:nvPr>
-        </p:nvSpPr>
-        <p:spPr/>
-        <p:txBody>
-          <a:bodyPr/>
-          <a:lstStyle/>
-          <a:p>
-            <a:fld id="{0C9EBE43-8140-4FD4-875D-BFFE9B2D9EEE}" type="slidenum">
-              <a:rPr lang="es-MX" smtClean="0"/>
-              <a:t>‹Nº›</a:t>
-            </a:fld>
-            <a:endParaRPr lang="es-MX"/>
+          <a:bodyPr vert="horz" lIns="91440" tIns="45720" rIns="91440" bIns="45720" rtlCol="0" anchor="ctr"/>
+          <a:lstStyle>
+            <a:defPPr>
+              <a:defRPr lang="es-MX"/>
+            </a:defPPr>
+            <a:lvl1pPr marL="0" algn="r" defTabSz="914400" rtl="0" eaLnBrk="1" latinLnBrk="0" hangingPunct="1">
+              <a:defRPr sz="1200" kern="1200">
+                <a:solidFill>
+                  <a:schemeClr val="tx1">
+                    <a:tint val="75000"/>
+                  </a:schemeClr>
+                </a:solidFill>
+                <a:latin typeface="+mn-lt"/>
+                <a:ea typeface="+mn-ea"/>
+                <a:cs typeface="+mn-cs"/>
+              </a:defRPr>
+            </a:lvl1pPr>
+            <a:lvl2pPr marL="457200" algn="l" defTabSz="914400" rtl="0" eaLnBrk="1" latinLnBrk="0" hangingPunct="1">
+              <a:defRPr sz="1800" kern="1200">
+                <a:solidFill>
+                  <a:schemeClr val="tx1"/>
+                </a:solidFill>
+                <a:latin typeface="+mn-lt"/>
+                <a:ea typeface="+mn-ea"/>
+                <a:cs typeface="+mn-cs"/>
+              </a:defRPr>
+            </a:lvl2pPr>
+            <a:lvl3pPr marL="914400" algn="l" defTabSz="914400" rtl="0" eaLnBrk="1" latinLnBrk="0" hangingPunct="1">
+              <a:defRPr sz="1800" kern="1200">
+                <a:solidFill>
+                  <a:schemeClr val="tx1"/>
+                </a:solidFill>
+                <a:latin typeface="+mn-lt"/>
+                <a:ea typeface="+mn-ea"/>
+                <a:cs typeface="+mn-cs"/>
+              </a:defRPr>
+            </a:lvl3pPr>
+            <a:lvl4pPr marL="1371600" algn="l" defTabSz="914400" rtl="0" eaLnBrk="1" latinLnBrk="0" hangingPunct="1">
+              <a:defRPr sz="1800" kern="1200">
+                <a:solidFill>
+                  <a:schemeClr val="tx1"/>
+                </a:solidFill>
+                <a:latin typeface="+mn-lt"/>
+                <a:ea typeface="+mn-ea"/>
+                <a:cs typeface="+mn-cs"/>
+              </a:defRPr>
+            </a:lvl4pPr>
+            <a:lvl5pPr marL="1828800" algn="l" defTabSz="914400" rtl="0" eaLnBrk="1" latinLnBrk="0" hangingPunct="1">
+              <a:defRPr sz="1800" kern="1200">
+                <a:solidFill>
+                  <a:schemeClr val="tx1"/>
+                </a:solidFill>
+                <a:latin typeface="+mn-lt"/>
+                <a:ea typeface="+mn-ea"/>
+                <a:cs typeface="+mn-cs"/>
+              </a:defRPr>
+            </a:lvl5pPr>
+            <a:lvl6pPr marL="2286000" algn="l" defTabSz="914400" rtl="0" eaLnBrk="1" latinLnBrk="0" hangingPunct="1">
+              <a:defRPr sz="1800" kern="1200">
+                <a:solidFill>
+                  <a:schemeClr val="tx1"/>
+                </a:solidFill>
+                <a:latin typeface="+mn-lt"/>
+                <a:ea typeface="+mn-ea"/>
+                <a:cs typeface="+mn-cs"/>
+              </a:defRPr>
+            </a:lvl6pPr>
+            <a:lvl7pPr marL="2743200" algn="l" defTabSz="914400" rtl="0" eaLnBrk="1" latinLnBrk="0" hangingPunct="1">
+              <a:defRPr sz="1800" kern="1200">
+                <a:solidFill>
+                  <a:schemeClr val="tx1"/>
+                </a:solidFill>
+                <a:latin typeface="+mn-lt"/>
+                <a:ea typeface="+mn-ea"/>
+                <a:cs typeface="+mn-cs"/>
+              </a:defRPr>
+            </a:lvl7pPr>
+            <a:lvl8pPr marL="3200400" algn="l" defTabSz="914400" rtl="0" eaLnBrk="1" latinLnBrk="0" hangingPunct="1">
+              <a:defRPr sz="1800" kern="1200">
+                <a:solidFill>
+                  <a:schemeClr val="tx1"/>
+                </a:solidFill>
+                <a:latin typeface="+mn-lt"/>
+                <a:ea typeface="+mn-ea"/>
+                <a:cs typeface="+mn-cs"/>
+              </a:defRPr>
+            </a:lvl8pPr>
+            <a:lvl9pPr marL="3657600" algn="l" defTabSz="914400" rtl="0" eaLnBrk="1" latinLnBrk="0" hangingPunct="1">
+              <a:defRPr sz="1800" kern="1200">
+                <a:solidFill>
+                  <a:schemeClr val="tx1"/>
+                </a:solidFill>
+                <a:latin typeface="+mn-lt"/>
+                <a:ea typeface="+mn-ea"/>
+                <a:cs typeface="+mn-cs"/>
+              </a:defRPr>
+            </a:lvl9pPr>
+          </a:lstStyle>
+          <a:p>
+            <a:r>
+              <a:rPr lang="es-MX" sz="1800" b="1" dirty="0">
+                <a:solidFill>
+                  <a:srgbClr val="86358B"/>
+                </a:solidFill>
+                <a:latin typeface="LMRoman10-Bold"/>
+              </a:rPr>
+              <a:t>Tonatiuh Bravo Padilla | Regidor</a:t>
+            </a:r>
+            <a:endParaRPr lang="es-MX" dirty="0"/>
           </a:p>
         </p:txBody>
       </p:sp>
     </p:spTree>
     <p:extLst>
       <p:ext uri="{BB962C8B-B14F-4D97-AF65-F5344CB8AC3E}">
-        <p14:creationId xmlns:p14="http://schemas.microsoft.com/office/powerpoint/2010/main" val="3989270358"/>
+        <p14:creationId xmlns:p14="http://schemas.microsoft.com/office/powerpoint/2010/main" val="3617225689"/>
       </p:ext>
     </p:extLst>
   </p:cSld>
@@ -2077,7 +3287,7 @@
           <p:cNvPr id="2" name="Marcador de fecha 1">
             <a:extLst>
               <a:ext uri="{FF2B5EF4-FFF2-40B4-BE49-F238E27FC236}">
-                <a16:creationId xmlns:a16="http://schemas.microsoft.com/office/drawing/2014/main" id="{01C455C6-E6F8-4806-BAA9-D1BA3C615066}"/>
+                <a16:creationId xmlns:a16="http://schemas.microsoft.com/office/drawing/2014/main" id="{20ADB866-5538-49A5-AB05-23C8E98F0CF2}"/>
               </a:ext>
             </a:extLst>
           </p:cNvPr>
@@ -2088,14 +3298,22 @@
             <p:ph type="dt" sz="half" idx="10"/>
           </p:nvPr>
         </p:nvSpPr>
-        <p:spPr/>
+        <p:spPr>
+          <a:xfrm>
+            <a:off x="838200" y="6356350"/>
+            <a:ext cx="2743200" cy="365125"/>
+          </a:xfrm>
+          <a:prstGeom prst="rect">
+            <a:avLst/>
+          </a:prstGeom>
+        </p:spPr>
         <p:txBody>
           <a:bodyPr/>
           <a:lstStyle/>
           <a:p>
-            <a:fld id="{736545F3-8D3D-4D05-8A54-09E52B7ADA46}" type="datetimeFigureOut">
+            <a:fld id="{E23B9695-3AEE-4E33-99F8-3B877BBEF786}" type="datetimeFigureOut">
               <a:rPr lang="es-MX" smtClean="0"/>
-              <a:t>29/01/2022</a:t>
+              <a:t>04/04/2022</a:t>
             </a:fld>
             <a:endParaRPr lang="es-MX"/>
           </a:p>
@@ -2103,62 +3321,144 @@
       </p:sp>
       <p:sp>
         <p:nvSpPr>
-          <p:cNvPr id="3" name="Marcador de pie de página 2">
+          <p:cNvPr id="5" name="Marcador de número de diapositiva 5">
             <a:extLst>
               <a:ext uri="{FF2B5EF4-FFF2-40B4-BE49-F238E27FC236}">
-                <a16:creationId xmlns:a16="http://schemas.microsoft.com/office/drawing/2014/main" id="{2D21C36F-3DCA-4AD1-943C-91C1162311BF}"/>
+                <a16:creationId xmlns:a16="http://schemas.microsoft.com/office/drawing/2014/main" id="{CBA883BD-3588-477A-9570-1A44AFD6DD94}"/>
               </a:ext>
             </a:extLst>
           </p:cNvPr>
-          <p:cNvSpPr>
-            <a:spLocks noGrp="1"/>
+          <p:cNvSpPr txBox="1">
+            <a:spLocks/>
           </p:cNvSpPr>
-          <p:nvPr>
-            <p:ph type="ftr" sz="quarter" idx="11"/>
-          </p:nvPr>
+          <p:nvPr userDrawn="1"/>
         </p:nvSpPr>
-        <p:spPr/>
+        <p:spPr>
+          <a:xfrm>
+            <a:off x="7829550" y="6356350"/>
+            <a:ext cx="3524250" cy="365125"/>
+          </a:xfrm>
+          <a:prstGeom prst="rect">
+            <a:avLst/>
+          </a:prstGeom>
+        </p:spPr>
         <p:txBody>
-          <a:bodyPr/>
-          <a:lstStyle/>
-          <a:p>
-            <a:endParaRPr lang="es-MX"/>
-          </a:p>
-        </p:txBody>
-      </p:sp>
-      <p:sp>
-        <p:nvSpPr>
-          <p:cNvPr id="4" name="Marcador de número de diapositiva 3">
-            <a:extLst>
-              <a:ext uri="{FF2B5EF4-FFF2-40B4-BE49-F238E27FC236}">
-                <a16:creationId xmlns:a16="http://schemas.microsoft.com/office/drawing/2014/main" id="{E11C7734-2C02-4286-9D87-CEBAE93985F5}"/>
-              </a:ext>
-            </a:extLst>
-          </p:cNvPr>
-          <p:cNvSpPr>
-            <a:spLocks noGrp="1"/>
-          </p:cNvSpPr>
-          <p:nvPr>
-            <p:ph type="sldNum" sz="quarter" idx="12"/>
-          </p:nvPr>
-        </p:nvSpPr>
-        <p:spPr/>
-        <p:txBody>
-          <a:bodyPr/>
-          <a:lstStyle/>
-          <a:p>
-            <a:fld id="{0C9EBE43-8140-4FD4-875D-BFFE9B2D9EEE}" type="slidenum">
-              <a:rPr lang="es-MX" smtClean="0"/>
-              <a:t>‹Nº›</a:t>
-            </a:fld>
-            <a:endParaRPr lang="es-MX"/>
+          <a:bodyPr vert="horz" lIns="91440" tIns="45720" rIns="91440" bIns="45720" rtlCol="0" anchor="ctr"/>
+          <a:lstStyle>
+            <a:defPPr>
+              <a:defRPr lang="es-MX"/>
+            </a:defPPr>
+            <a:lvl1pPr marL="0" algn="r" defTabSz="914400" rtl="0" eaLnBrk="1" latinLnBrk="0" hangingPunct="1">
+              <a:defRPr sz="1200" kern="1200">
+                <a:solidFill>
+                  <a:schemeClr val="tx1">
+                    <a:tint val="75000"/>
+                  </a:schemeClr>
+                </a:solidFill>
+                <a:latin typeface="+mn-lt"/>
+                <a:ea typeface="+mn-ea"/>
+                <a:cs typeface="+mn-cs"/>
+              </a:defRPr>
+            </a:lvl1pPr>
+            <a:lvl2pPr marL="457200" algn="l" defTabSz="914400" rtl="0" eaLnBrk="1" latinLnBrk="0" hangingPunct="1">
+              <a:defRPr sz="1800" kern="1200">
+                <a:solidFill>
+                  <a:schemeClr val="tx1"/>
+                </a:solidFill>
+                <a:latin typeface="+mn-lt"/>
+                <a:ea typeface="+mn-ea"/>
+                <a:cs typeface="+mn-cs"/>
+              </a:defRPr>
+            </a:lvl2pPr>
+            <a:lvl3pPr marL="914400" algn="l" defTabSz="914400" rtl="0" eaLnBrk="1" latinLnBrk="0" hangingPunct="1">
+              <a:defRPr sz="1800" kern="1200">
+                <a:solidFill>
+                  <a:schemeClr val="tx1"/>
+                </a:solidFill>
+                <a:latin typeface="+mn-lt"/>
+                <a:ea typeface="+mn-ea"/>
+                <a:cs typeface="+mn-cs"/>
+              </a:defRPr>
+            </a:lvl3pPr>
+            <a:lvl4pPr marL="1371600" algn="l" defTabSz="914400" rtl="0" eaLnBrk="1" latinLnBrk="0" hangingPunct="1">
+              <a:defRPr sz="1800" kern="1200">
+                <a:solidFill>
+                  <a:schemeClr val="tx1"/>
+                </a:solidFill>
+                <a:latin typeface="+mn-lt"/>
+                <a:ea typeface="+mn-ea"/>
+                <a:cs typeface="+mn-cs"/>
+              </a:defRPr>
+            </a:lvl4pPr>
+            <a:lvl5pPr marL="1828800" algn="l" defTabSz="914400" rtl="0" eaLnBrk="1" latinLnBrk="0" hangingPunct="1">
+              <a:defRPr sz="1800" kern="1200">
+                <a:solidFill>
+                  <a:schemeClr val="tx1"/>
+                </a:solidFill>
+                <a:latin typeface="+mn-lt"/>
+                <a:ea typeface="+mn-ea"/>
+                <a:cs typeface="+mn-cs"/>
+              </a:defRPr>
+            </a:lvl5pPr>
+            <a:lvl6pPr marL="2286000" algn="l" defTabSz="914400" rtl="0" eaLnBrk="1" latinLnBrk="0" hangingPunct="1">
+              <a:defRPr sz="1800" kern="1200">
+                <a:solidFill>
+                  <a:schemeClr val="tx1"/>
+                </a:solidFill>
+                <a:latin typeface="+mn-lt"/>
+                <a:ea typeface="+mn-ea"/>
+                <a:cs typeface="+mn-cs"/>
+              </a:defRPr>
+            </a:lvl6pPr>
+            <a:lvl7pPr marL="2743200" algn="l" defTabSz="914400" rtl="0" eaLnBrk="1" latinLnBrk="0" hangingPunct="1">
+              <a:defRPr sz="1800" kern="1200">
+                <a:solidFill>
+                  <a:schemeClr val="tx1"/>
+                </a:solidFill>
+                <a:latin typeface="+mn-lt"/>
+                <a:ea typeface="+mn-ea"/>
+                <a:cs typeface="+mn-cs"/>
+              </a:defRPr>
+            </a:lvl7pPr>
+            <a:lvl8pPr marL="3200400" algn="l" defTabSz="914400" rtl="0" eaLnBrk="1" latinLnBrk="0" hangingPunct="1">
+              <a:defRPr sz="1800" kern="1200">
+                <a:solidFill>
+                  <a:schemeClr val="tx1"/>
+                </a:solidFill>
+                <a:latin typeface="+mn-lt"/>
+                <a:ea typeface="+mn-ea"/>
+                <a:cs typeface="+mn-cs"/>
+              </a:defRPr>
+            </a:lvl8pPr>
+            <a:lvl9pPr marL="3657600" algn="l" defTabSz="914400" rtl="0" eaLnBrk="1" latinLnBrk="0" hangingPunct="1">
+              <a:defRPr sz="1800" kern="1200">
+                <a:solidFill>
+                  <a:schemeClr val="tx1"/>
+                </a:solidFill>
+                <a:latin typeface="+mn-lt"/>
+                <a:ea typeface="+mn-ea"/>
+                <a:cs typeface="+mn-cs"/>
+              </a:defRPr>
+            </a:lvl9pPr>
+          </a:lstStyle>
+          <a:p>
+            <a:r>
+              <a:rPr lang="es-MX" sz="1800" b="1" dirty="0">
+                <a:solidFill>
+                  <a:srgbClr val="86358B"/>
+                </a:solidFill>
+                <a:latin typeface="LMRoman10-Bold"/>
+              </a:rPr>
+              <a:t>Tonatiuh Bravo Padilla | Regidor</a:t>
+            </a:r>
+            <a:endParaRPr lang="es-MX" dirty="0"/>
           </a:p>
         </p:txBody>
       </p:sp>
     </p:spTree>
     <p:extLst>
       <p:ext uri="{BB962C8B-B14F-4D97-AF65-F5344CB8AC3E}">
-        <p14:creationId xmlns:p14="http://schemas.microsoft.com/office/powerpoint/2010/main" val="2748698957"/>
+        <p14:creationId xmlns:p14="http://schemas.microsoft.com/office/powerpoint/2010/main" val="1249613652"/>
       </p:ext>
     </p:extLst>
   </p:cSld>
@@ -2190,7 +3490,7 @@
           <p:cNvPr id="2" name="Título 1">
             <a:extLst>
               <a:ext uri="{FF2B5EF4-FFF2-40B4-BE49-F238E27FC236}">
-                <a16:creationId xmlns:a16="http://schemas.microsoft.com/office/drawing/2014/main" id="{6D572BA6-F51D-4941-B80D-524F1BE027ED}"/>
+                <a16:creationId xmlns:a16="http://schemas.microsoft.com/office/drawing/2014/main" id="{FD5A3AC4-ADBB-4DF4-808D-EA71397EAC0F}"/>
               </a:ext>
             </a:extLst>
           </p:cNvPr>
@@ -2228,7 +3528,7 @@
           <p:cNvPr id="3" name="Marcador de contenido 2">
             <a:extLst>
               <a:ext uri="{FF2B5EF4-FFF2-40B4-BE49-F238E27FC236}">
-                <a16:creationId xmlns:a16="http://schemas.microsoft.com/office/drawing/2014/main" id="{2841E066-7D54-40F6-8411-58DECE3E0CAB}"/>
+                <a16:creationId xmlns:a16="http://schemas.microsoft.com/office/drawing/2014/main" id="{651E3500-4C1D-4CB3-8E62-7515524CD478}"/>
               </a:ext>
             </a:extLst>
           </p:cNvPr>
@@ -2319,7 +3619,7 @@
           <p:cNvPr id="4" name="Marcador de texto 3">
             <a:extLst>
               <a:ext uri="{FF2B5EF4-FFF2-40B4-BE49-F238E27FC236}">
-                <a16:creationId xmlns:a16="http://schemas.microsoft.com/office/drawing/2014/main" id="{D1B05D7F-8142-42E6-B7A1-FBBBCCF51BB1}"/>
+                <a16:creationId xmlns:a16="http://schemas.microsoft.com/office/drawing/2014/main" id="{4FC66A41-F01C-4155-A5CE-6F26B6D4E33D}"/>
               </a:ext>
             </a:extLst>
           </p:cNvPr>
@@ -2390,7 +3690,7 @@
           <p:cNvPr id="5" name="Marcador de fecha 4">
             <a:extLst>
               <a:ext uri="{FF2B5EF4-FFF2-40B4-BE49-F238E27FC236}">
-                <a16:creationId xmlns:a16="http://schemas.microsoft.com/office/drawing/2014/main" id="{77727715-9396-41EE-A003-90BE114D6C7E}"/>
+                <a16:creationId xmlns:a16="http://schemas.microsoft.com/office/drawing/2014/main" id="{9A8B764C-20A5-4E11-A729-DDD32F004811}"/>
               </a:ext>
             </a:extLst>
           </p:cNvPr>
@@ -2401,14 +3701,22 @@
             <p:ph type="dt" sz="half" idx="10"/>
           </p:nvPr>
         </p:nvSpPr>
-        <p:spPr/>
+        <p:spPr>
+          <a:xfrm>
+            <a:off x="838200" y="6356350"/>
+            <a:ext cx="2743200" cy="365125"/>
+          </a:xfrm>
+          <a:prstGeom prst="rect">
+            <a:avLst/>
+          </a:prstGeom>
+        </p:spPr>
         <p:txBody>
           <a:bodyPr/>
           <a:lstStyle/>
           <a:p>
-            <a:fld id="{736545F3-8D3D-4D05-8A54-09E52B7ADA46}" type="datetimeFigureOut">
+            <a:fld id="{E23B9695-3AEE-4E33-99F8-3B877BBEF786}" type="datetimeFigureOut">
               <a:rPr lang="es-MX" smtClean="0"/>
-              <a:t>29/01/2022</a:t>
+              <a:t>04/04/2022</a:t>
             </a:fld>
             <a:endParaRPr lang="es-MX"/>
           </a:p>
@@ -2416,62 +3724,144 @@
       </p:sp>
       <p:sp>
         <p:nvSpPr>
-          <p:cNvPr id="6" name="Marcador de pie de página 5">
+          <p:cNvPr id="8" name="Marcador de número de diapositiva 5">
             <a:extLst>
               <a:ext uri="{FF2B5EF4-FFF2-40B4-BE49-F238E27FC236}">
-                <a16:creationId xmlns:a16="http://schemas.microsoft.com/office/drawing/2014/main" id="{49AAEA7C-DFB6-4C88-B8CB-B30BD1674E31}"/>
+                <a16:creationId xmlns:a16="http://schemas.microsoft.com/office/drawing/2014/main" id="{1ABBC5CB-7957-482D-8744-CC24B43D7426}"/>
               </a:ext>
             </a:extLst>
           </p:cNvPr>
-          <p:cNvSpPr>
-            <a:spLocks noGrp="1"/>
+          <p:cNvSpPr txBox="1">
+            <a:spLocks/>
           </p:cNvSpPr>
-          <p:nvPr>
-            <p:ph type="ftr" sz="quarter" idx="11"/>
-          </p:nvPr>
+          <p:nvPr userDrawn="1"/>
         </p:nvSpPr>
-        <p:spPr/>
+        <p:spPr>
+          <a:xfrm>
+            <a:off x="7829550" y="6356350"/>
+            <a:ext cx="3524250" cy="365125"/>
+          </a:xfrm>
+          <a:prstGeom prst="rect">
+            <a:avLst/>
+          </a:prstGeom>
+        </p:spPr>
         <p:txBody>
-          <a:bodyPr/>
-          <a:lstStyle/>
-          <a:p>
-            <a:endParaRPr lang="es-MX"/>
-          </a:p>
-        </p:txBody>
-      </p:sp>
-      <p:sp>
-        <p:nvSpPr>
-          <p:cNvPr id="7" name="Marcador de número de diapositiva 6">
-            <a:extLst>
-              <a:ext uri="{FF2B5EF4-FFF2-40B4-BE49-F238E27FC236}">
-                <a16:creationId xmlns:a16="http://schemas.microsoft.com/office/drawing/2014/main" id="{8EC2611F-6B83-49FE-A911-7545E9575B5C}"/>
-              </a:ext>
-            </a:extLst>
-          </p:cNvPr>
-          <p:cNvSpPr>
-            <a:spLocks noGrp="1"/>
-          </p:cNvSpPr>
-          <p:nvPr>
-            <p:ph type="sldNum" sz="quarter" idx="12"/>
-          </p:nvPr>
-        </p:nvSpPr>
-        <p:spPr/>
-        <p:txBody>
-          <a:bodyPr/>
-          <a:lstStyle/>
-          <a:p>
-            <a:fld id="{0C9EBE43-8140-4FD4-875D-BFFE9B2D9EEE}" type="slidenum">
-              <a:rPr lang="es-MX" smtClean="0"/>
-              <a:t>‹Nº›</a:t>
-            </a:fld>
-            <a:endParaRPr lang="es-MX"/>
+          <a:bodyPr vert="horz" lIns="91440" tIns="45720" rIns="91440" bIns="45720" rtlCol="0" anchor="ctr"/>
+          <a:lstStyle>
+            <a:defPPr>
+              <a:defRPr lang="es-MX"/>
+            </a:defPPr>
+            <a:lvl1pPr marL="0" algn="r" defTabSz="914400" rtl="0" eaLnBrk="1" latinLnBrk="0" hangingPunct="1">
+              <a:defRPr sz="1200" kern="1200">
+                <a:solidFill>
+                  <a:schemeClr val="tx1">
+                    <a:tint val="75000"/>
+                  </a:schemeClr>
+                </a:solidFill>
+                <a:latin typeface="+mn-lt"/>
+                <a:ea typeface="+mn-ea"/>
+                <a:cs typeface="+mn-cs"/>
+              </a:defRPr>
+            </a:lvl1pPr>
+            <a:lvl2pPr marL="457200" algn="l" defTabSz="914400" rtl="0" eaLnBrk="1" latinLnBrk="0" hangingPunct="1">
+              <a:defRPr sz="1800" kern="1200">
+                <a:solidFill>
+                  <a:schemeClr val="tx1"/>
+                </a:solidFill>
+                <a:latin typeface="+mn-lt"/>
+                <a:ea typeface="+mn-ea"/>
+                <a:cs typeface="+mn-cs"/>
+              </a:defRPr>
+            </a:lvl2pPr>
+            <a:lvl3pPr marL="914400" algn="l" defTabSz="914400" rtl="0" eaLnBrk="1" latinLnBrk="0" hangingPunct="1">
+              <a:defRPr sz="1800" kern="1200">
+                <a:solidFill>
+                  <a:schemeClr val="tx1"/>
+                </a:solidFill>
+                <a:latin typeface="+mn-lt"/>
+                <a:ea typeface="+mn-ea"/>
+                <a:cs typeface="+mn-cs"/>
+              </a:defRPr>
+            </a:lvl3pPr>
+            <a:lvl4pPr marL="1371600" algn="l" defTabSz="914400" rtl="0" eaLnBrk="1" latinLnBrk="0" hangingPunct="1">
+              <a:defRPr sz="1800" kern="1200">
+                <a:solidFill>
+                  <a:schemeClr val="tx1"/>
+                </a:solidFill>
+                <a:latin typeface="+mn-lt"/>
+                <a:ea typeface="+mn-ea"/>
+                <a:cs typeface="+mn-cs"/>
+              </a:defRPr>
+            </a:lvl4pPr>
+            <a:lvl5pPr marL="1828800" algn="l" defTabSz="914400" rtl="0" eaLnBrk="1" latinLnBrk="0" hangingPunct="1">
+              <a:defRPr sz="1800" kern="1200">
+                <a:solidFill>
+                  <a:schemeClr val="tx1"/>
+                </a:solidFill>
+                <a:latin typeface="+mn-lt"/>
+                <a:ea typeface="+mn-ea"/>
+                <a:cs typeface="+mn-cs"/>
+              </a:defRPr>
+            </a:lvl5pPr>
+            <a:lvl6pPr marL="2286000" algn="l" defTabSz="914400" rtl="0" eaLnBrk="1" latinLnBrk="0" hangingPunct="1">
+              <a:defRPr sz="1800" kern="1200">
+                <a:solidFill>
+                  <a:schemeClr val="tx1"/>
+                </a:solidFill>
+                <a:latin typeface="+mn-lt"/>
+                <a:ea typeface="+mn-ea"/>
+                <a:cs typeface="+mn-cs"/>
+              </a:defRPr>
+            </a:lvl6pPr>
+            <a:lvl7pPr marL="2743200" algn="l" defTabSz="914400" rtl="0" eaLnBrk="1" latinLnBrk="0" hangingPunct="1">
+              <a:defRPr sz="1800" kern="1200">
+                <a:solidFill>
+                  <a:schemeClr val="tx1"/>
+                </a:solidFill>
+                <a:latin typeface="+mn-lt"/>
+                <a:ea typeface="+mn-ea"/>
+                <a:cs typeface="+mn-cs"/>
+              </a:defRPr>
+            </a:lvl7pPr>
+            <a:lvl8pPr marL="3200400" algn="l" defTabSz="914400" rtl="0" eaLnBrk="1" latinLnBrk="0" hangingPunct="1">
+              <a:defRPr sz="1800" kern="1200">
+                <a:solidFill>
+                  <a:schemeClr val="tx1"/>
+                </a:solidFill>
+                <a:latin typeface="+mn-lt"/>
+                <a:ea typeface="+mn-ea"/>
+                <a:cs typeface="+mn-cs"/>
+              </a:defRPr>
+            </a:lvl8pPr>
+            <a:lvl9pPr marL="3657600" algn="l" defTabSz="914400" rtl="0" eaLnBrk="1" latinLnBrk="0" hangingPunct="1">
+              <a:defRPr sz="1800" kern="1200">
+                <a:solidFill>
+                  <a:schemeClr val="tx1"/>
+                </a:solidFill>
+                <a:latin typeface="+mn-lt"/>
+                <a:ea typeface="+mn-ea"/>
+                <a:cs typeface="+mn-cs"/>
+              </a:defRPr>
+            </a:lvl9pPr>
+          </a:lstStyle>
+          <a:p>
+            <a:r>
+              <a:rPr lang="es-MX" sz="1800" b="1" dirty="0">
+                <a:solidFill>
+                  <a:srgbClr val="86358B"/>
+                </a:solidFill>
+                <a:latin typeface="LMRoman10-Bold"/>
+              </a:rPr>
+              <a:t>Tonatiuh Bravo Padilla | Regidor</a:t>
+            </a:r>
+            <a:endParaRPr lang="es-MX" dirty="0"/>
           </a:p>
         </p:txBody>
       </p:sp>
     </p:spTree>
     <p:extLst>
       <p:ext uri="{BB962C8B-B14F-4D97-AF65-F5344CB8AC3E}">
-        <p14:creationId xmlns:p14="http://schemas.microsoft.com/office/powerpoint/2010/main" val="3357953850"/>
+        <p14:creationId xmlns:p14="http://schemas.microsoft.com/office/powerpoint/2010/main" val="351032684"/>
       </p:ext>
     </p:extLst>
   </p:cSld>
@@ -2503,7 +3893,7 @@
           <p:cNvPr id="2" name="Título 1">
             <a:extLst>
               <a:ext uri="{FF2B5EF4-FFF2-40B4-BE49-F238E27FC236}">
-                <a16:creationId xmlns:a16="http://schemas.microsoft.com/office/drawing/2014/main" id="{2F06FAC0-F456-422B-A5F3-FC31A515DF54}"/>
+                <a16:creationId xmlns:a16="http://schemas.microsoft.com/office/drawing/2014/main" id="{22007FAD-A27F-4A78-8E98-ACF41C2A75FA}"/>
               </a:ext>
             </a:extLst>
           </p:cNvPr>
@@ -2541,7 +3931,7 @@
           <p:cNvPr id="3" name="Marcador de posición de imagen 2">
             <a:extLst>
               <a:ext uri="{FF2B5EF4-FFF2-40B4-BE49-F238E27FC236}">
-                <a16:creationId xmlns:a16="http://schemas.microsoft.com/office/drawing/2014/main" id="{CCA8938E-9CB2-4C04-BE2C-67B642437A55}"/>
+                <a16:creationId xmlns:a16="http://schemas.microsoft.com/office/drawing/2014/main" id="{FEC1091B-0C73-4C89-B1E9-FF68A3ECE733}"/>
               </a:ext>
             </a:extLst>
           </p:cNvPr>
@@ -2608,7 +3998,7 @@
           <p:cNvPr id="4" name="Marcador de texto 3">
             <a:extLst>
               <a:ext uri="{FF2B5EF4-FFF2-40B4-BE49-F238E27FC236}">
-                <a16:creationId xmlns:a16="http://schemas.microsoft.com/office/drawing/2014/main" id="{675FBFE7-156D-4503-A0D9-2B7FA44C7C16}"/>
+                <a16:creationId xmlns:a16="http://schemas.microsoft.com/office/drawing/2014/main" id="{C2594837-3671-4AF7-84BE-284CA156E057}"/>
               </a:ext>
             </a:extLst>
           </p:cNvPr>
@@ -2679,7 +4069,7 @@
           <p:cNvPr id="5" name="Marcador de fecha 4">
             <a:extLst>
               <a:ext uri="{FF2B5EF4-FFF2-40B4-BE49-F238E27FC236}">
-                <a16:creationId xmlns:a16="http://schemas.microsoft.com/office/drawing/2014/main" id="{15E9900C-6167-49B6-8781-850866C8F582}"/>
+                <a16:creationId xmlns:a16="http://schemas.microsoft.com/office/drawing/2014/main" id="{B432023C-1066-4F25-BB6F-361E10EFC9F6}"/>
               </a:ext>
             </a:extLst>
           </p:cNvPr>
@@ -2690,14 +4080,22 @@
             <p:ph type="dt" sz="half" idx="10"/>
           </p:nvPr>
         </p:nvSpPr>
-        <p:spPr/>
+        <p:spPr>
+          <a:xfrm>
+            <a:off x="838200" y="6356350"/>
+            <a:ext cx="2743200" cy="365125"/>
+          </a:xfrm>
+          <a:prstGeom prst="rect">
+            <a:avLst/>
+          </a:prstGeom>
+        </p:spPr>
         <p:txBody>
           <a:bodyPr/>
           <a:lstStyle/>
           <a:p>
-            <a:fld id="{736545F3-8D3D-4D05-8A54-09E52B7ADA46}" type="datetimeFigureOut">
+            <a:fld id="{E23B9695-3AEE-4E33-99F8-3B877BBEF786}" type="datetimeFigureOut">
               <a:rPr lang="es-MX" smtClean="0"/>
-              <a:t>29/01/2022</a:t>
+              <a:t>04/04/2022</a:t>
             </a:fld>
             <a:endParaRPr lang="es-MX"/>
           </a:p>
@@ -2705,62 +4103,144 @@
       </p:sp>
       <p:sp>
         <p:nvSpPr>
-          <p:cNvPr id="6" name="Marcador de pie de página 5">
+          <p:cNvPr id="8" name="Marcador de número de diapositiva 5">
             <a:extLst>
               <a:ext uri="{FF2B5EF4-FFF2-40B4-BE49-F238E27FC236}">
-                <a16:creationId xmlns:a16="http://schemas.microsoft.com/office/drawing/2014/main" id="{68D84BB4-4509-4AC7-81F6-5B6D438A146A}"/>
+                <a16:creationId xmlns:a16="http://schemas.microsoft.com/office/drawing/2014/main" id="{0C04A9AB-78CE-4FEC-8F13-4985B0CDA51B}"/>
               </a:ext>
             </a:extLst>
           </p:cNvPr>
-          <p:cNvSpPr>
-            <a:spLocks noGrp="1"/>
+          <p:cNvSpPr txBox="1">
+            <a:spLocks/>
           </p:cNvSpPr>
-          <p:nvPr>
-            <p:ph type="ftr" sz="quarter" idx="11"/>
-          </p:nvPr>
+          <p:nvPr userDrawn="1"/>
         </p:nvSpPr>
-        <p:spPr/>
+        <p:spPr>
+          <a:xfrm>
+            <a:off x="7829550" y="6356350"/>
+            <a:ext cx="3524250" cy="365125"/>
+          </a:xfrm>
+          <a:prstGeom prst="rect">
+            <a:avLst/>
+          </a:prstGeom>
+        </p:spPr>
         <p:txBody>
-          <a:bodyPr/>
-          <a:lstStyle/>
-          <a:p>
-            <a:endParaRPr lang="es-MX"/>
-          </a:p>
-        </p:txBody>
-      </p:sp>
-      <p:sp>
-        <p:nvSpPr>
-          <p:cNvPr id="7" name="Marcador de número de diapositiva 6">
-            <a:extLst>
-              <a:ext uri="{FF2B5EF4-FFF2-40B4-BE49-F238E27FC236}">
-                <a16:creationId xmlns:a16="http://schemas.microsoft.com/office/drawing/2014/main" id="{EE2910A5-CC41-4DC3-A06E-10F39F6C9DD6}"/>
-              </a:ext>
-            </a:extLst>
-          </p:cNvPr>
-          <p:cNvSpPr>
-            <a:spLocks noGrp="1"/>
-          </p:cNvSpPr>
-          <p:nvPr>
-            <p:ph type="sldNum" sz="quarter" idx="12"/>
-          </p:nvPr>
-        </p:nvSpPr>
-        <p:spPr/>
-        <p:txBody>
-          <a:bodyPr/>
-          <a:lstStyle/>
-          <a:p>
-            <a:fld id="{0C9EBE43-8140-4FD4-875D-BFFE9B2D9EEE}" type="slidenum">
-              <a:rPr lang="es-MX" smtClean="0"/>
-              <a:t>‹Nº›</a:t>
-            </a:fld>
-            <a:endParaRPr lang="es-MX"/>
+          <a:bodyPr vert="horz" lIns="91440" tIns="45720" rIns="91440" bIns="45720" rtlCol="0" anchor="ctr"/>
+          <a:lstStyle>
+            <a:defPPr>
+              <a:defRPr lang="es-MX"/>
+            </a:defPPr>
+            <a:lvl1pPr marL="0" algn="r" defTabSz="914400" rtl="0" eaLnBrk="1" latinLnBrk="0" hangingPunct="1">
+              <a:defRPr sz="1200" kern="1200">
+                <a:solidFill>
+                  <a:schemeClr val="tx1">
+                    <a:tint val="75000"/>
+                  </a:schemeClr>
+                </a:solidFill>
+                <a:latin typeface="+mn-lt"/>
+                <a:ea typeface="+mn-ea"/>
+                <a:cs typeface="+mn-cs"/>
+              </a:defRPr>
+            </a:lvl1pPr>
+            <a:lvl2pPr marL="457200" algn="l" defTabSz="914400" rtl="0" eaLnBrk="1" latinLnBrk="0" hangingPunct="1">
+              <a:defRPr sz="1800" kern="1200">
+                <a:solidFill>
+                  <a:schemeClr val="tx1"/>
+                </a:solidFill>
+                <a:latin typeface="+mn-lt"/>
+                <a:ea typeface="+mn-ea"/>
+                <a:cs typeface="+mn-cs"/>
+              </a:defRPr>
+            </a:lvl2pPr>
+            <a:lvl3pPr marL="914400" algn="l" defTabSz="914400" rtl="0" eaLnBrk="1" latinLnBrk="0" hangingPunct="1">
+              <a:defRPr sz="1800" kern="1200">
+                <a:solidFill>
+                  <a:schemeClr val="tx1"/>
+                </a:solidFill>
+                <a:latin typeface="+mn-lt"/>
+                <a:ea typeface="+mn-ea"/>
+                <a:cs typeface="+mn-cs"/>
+              </a:defRPr>
+            </a:lvl3pPr>
+            <a:lvl4pPr marL="1371600" algn="l" defTabSz="914400" rtl="0" eaLnBrk="1" latinLnBrk="0" hangingPunct="1">
+              <a:defRPr sz="1800" kern="1200">
+                <a:solidFill>
+                  <a:schemeClr val="tx1"/>
+                </a:solidFill>
+                <a:latin typeface="+mn-lt"/>
+                <a:ea typeface="+mn-ea"/>
+                <a:cs typeface="+mn-cs"/>
+              </a:defRPr>
+            </a:lvl4pPr>
+            <a:lvl5pPr marL="1828800" algn="l" defTabSz="914400" rtl="0" eaLnBrk="1" latinLnBrk="0" hangingPunct="1">
+              <a:defRPr sz="1800" kern="1200">
+                <a:solidFill>
+                  <a:schemeClr val="tx1"/>
+                </a:solidFill>
+                <a:latin typeface="+mn-lt"/>
+                <a:ea typeface="+mn-ea"/>
+                <a:cs typeface="+mn-cs"/>
+              </a:defRPr>
+            </a:lvl5pPr>
+            <a:lvl6pPr marL="2286000" algn="l" defTabSz="914400" rtl="0" eaLnBrk="1" latinLnBrk="0" hangingPunct="1">
+              <a:defRPr sz="1800" kern="1200">
+                <a:solidFill>
+                  <a:schemeClr val="tx1"/>
+                </a:solidFill>
+                <a:latin typeface="+mn-lt"/>
+                <a:ea typeface="+mn-ea"/>
+                <a:cs typeface="+mn-cs"/>
+              </a:defRPr>
+            </a:lvl6pPr>
+            <a:lvl7pPr marL="2743200" algn="l" defTabSz="914400" rtl="0" eaLnBrk="1" latinLnBrk="0" hangingPunct="1">
+              <a:defRPr sz="1800" kern="1200">
+                <a:solidFill>
+                  <a:schemeClr val="tx1"/>
+                </a:solidFill>
+                <a:latin typeface="+mn-lt"/>
+                <a:ea typeface="+mn-ea"/>
+                <a:cs typeface="+mn-cs"/>
+              </a:defRPr>
+            </a:lvl7pPr>
+            <a:lvl8pPr marL="3200400" algn="l" defTabSz="914400" rtl="0" eaLnBrk="1" latinLnBrk="0" hangingPunct="1">
+              <a:defRPr sz="1800" kern="1200">
+                <a:solidFill>
+                  <a:schemeClr val="tx1"/>
+                </a:solidFill>
+                <a:latin typeface="+mn-lt"/>
+                <a:ea typeface="+mn-ea"/>
+                <a:cs typeface="+mn-cs"/>
+              </a:defRPr>
+            </a:lvl8pPr>
+            <a:lvl9pPr marL="3657600" algn="l" defTabSz="914400" rtl="0" eaLnBrk="1" latinLnBrk="0" hangingPunct="1">
+              <a:defRPr sz="1800" kern="1200">
+                <a:solidFill>
+                  <a:schemeClr val="tx1"/>
+                </a:solidFill>
+                <a:latin typeface="+mn-lt"/>
+                <a:ea typeface="+mn-ea"/>
+                <a:cs typeface="+mn-cs"/>
+              </a:defRPr>
+            </a:lvl9pPr>
+          </a:lstStyle>
+          <a:p>
+            <a:r>
+              <a:rPr lang="es-MX" sz="1800" b="1" dirty="0">
+                <a:solidFill>
+                  <a:srgbClr val="86358B"/>
+                </a:solidFill>
+                <a:latin typeface="LMRoman10-Bold"/>
+              </a:rPr>
+              <a:t>Tonatiuh Bravo Padilla | Regidor</a:t>
+            </a:r>
+            <a:endParaRPr lang="es-MX" dirty="0"/>
           </a:p>
         </p:txBody>
       </p:sp>
     </p:spTree>
     <p:extLst>
       <p:ext uri="{BB962C8B-B14F-4D97-AF65-F5344CB8AC3E}">
-        <p14:creationId xmlns:p14="http://schemas.microsoft.com/office/powerpoint/2010/main" val="413251618"/>
+        <p14:creationId xmlns:p14="http://schemas.microsoft.com/office/powerpoint/2010/main" val="3657228568"/>
       </p:ext>
     </p:extLst>
   </p:cSld>
@@ -2774,14 +4254,9 @@
 <p:sldMaster xmlns:a="http://schemas.openxmlformats.org/drawingml/2006/main" xmlns:p="http://schemas.openxmlformats.org/presentationml/2006/main" xmlns:r="http://schemas.openxmlformats.org/officeDocument/2006/relationships">
   <p:cSld>
     <p:bg>
-      <p:bgPr>
-        <a:solidFill>
-          <a:srgbClr val="71358A">
-            <a:alpha val="20000"/>
-          </a:srgbClr>
-        </a:solidFill>
-        <a:effectLst/>
-      </p:bgPr>
+      <p:bgRef idx="1001">
+        <a:schemeClr val="bg1"/>
+      </p:bgRef>
     </p:bg>
     <p:spTree>
       <p:nvGrpSpPr>
@@ -2799,10 +4274,208 @@
       </p:grpSpPr>
       <p:sp>
         <p:nvSpPr>
+          <p:cNvPr id="2" name="Marcador de título 1">
+            <a:extLst>
+              <a:ext uri="{FF2B5EF4-FFF2-40B4-BE49-F238E27FC236}">
+                <a16:creationId xmlns:a16="http://schemas.microsoft.com/office/drawing/2014/main" id="{79B62257-EF7C-485B-AD93-FE6876F457EF}"/>
+              </a:ext>
+            </a:extLst>
+          </p:cNvPr>
+          <p:cNvSpPr>
+            <a:spLocks noGrp="1"/>
+          </p:cNvSpPr>
+          <p:nvPr>
+            <p:ph type="title"/>
+          </p:nvPr>
+        </p:nvSpPr>
+        <p:spPr>
+          <a:xfrm>
+            <a:off x="838200" y="365125"/>
+            <a:ext cx="10515600" cy="1325563"/>
+          </a:xfrm>
+          <a:prstGeom prst="rect">
+            <a:avLst/>
+          </a:prstGeom>
+        </p:spPr>
+        <p:txBody>
+          <a:bodyPr anchor="ctr" bIns="45720" lIns="91440" rIns="91440" rtlCol="0" tIns="45720" vert="horz">
+            <a:normAutofit/>
+          </a:bodyPr>
+          <a:lstStyle/>
+          <a:p>
+            <a:r>
+              <a:rPr lang="es-ES"/>
+              <a:t>Haga clic para modificar el estilo de título del patrón</a:t>
+            </a:r>
+            <a:endParaRPr lang="es-MX"/>
+          </a:p>
+        </p:txBody>
+      </p:sp>
+      <p:sp>
+        <p:nvSpPr>
+          <p:cNvPr id="3" name="Marcador de texto 2">
+            <a:extLst>
+              <a:ext uri="{FF2B5EF4-FFF2-40B4-BE49-F238E27FC236}">
+                <a16:creationId xmlns:a16="http://schemas.microsoft.com/office/drawing/2014/main" id="{4B89233C-5AAD-4B58-88E1-FB1E091C74D4}"/>
+              </a:ext>
+            </a:extLst>
+          </p:cNvPr>
+          <p:cNvSpPr>
+            <a:spLocks noGrp="1"/>
+          </p:cNvSpPr>
+          <p:nvPr>
+            <p:ph idx="1" type="body"/>
+          </p:nvPr>
+        </p:nvSpPr>
+        <p:spPr>
+          <a:xfrm>
+            <a:off x="838200" y="1825625"/>
+            <a:ext cx="10515600" cy="4351338"/>
+          </a:xfrm>
+          <a:prstGeom prst="rect">
+            <a:avLst/>
+          </a:prstGeom>
+        </p:spPr>
+        <p:txBody>
+          <a:bodyPr bIns="45720" lIns="91440" rIns="91440" rtlCol="0" tIns="45720" vert="horz">
+            <a:normAutofit/>
+          </a:bodyPr>
+          <a:lstStyle/>
+          <a:p>
+            <a:pPr lvl="0"/>
+            <a:r>
+              <a:rPr lang="es-ES"/>
+              <a:t>Haga clic para modificar los estilos de texto del patrón</a:t>
+            </a:r>
+          </a:p>
+          <a:p>
+            <a:pPr lvl="1"/>
+            <a:r>
+              <a:rPr lang="es-ES"/>
+              <a:t>Segundo nivel</a:t>
+            </a:r>
+          </a:p>
+          <a:p>
+            <a:pPr lvl="2"/>
+            <a:r>
+              <a:rPr lang="es-ES"/>
+              <a:t>Tercer nivel</a:t>
+            </a:r>
+          </a:p>
+          <a:p>
+            <a:pPr lvl="3"/>
+            <a:r>
+              <a:rPr lang="es-ES"/>
+              <a:t>Cuarto nivel</a:t>
+            </a:r>
+          </a:p>
+          <a:p>
+            <a:pPr lvl="4"/>
+            <a:r>
+              <a:rPr lang="es-ES"/>
+              <a:t>Quinto nivel</a:t>
+            </a:r>
+            <a:endParaRPr lang="es-MX"/>
+          </a:p>
+        </p:txBody>
+      </p:sp>
+      <p:sp>
+        <p:nvSpPr>
+          <p:cNvPr id="6" name="Marcador de número de diapositiva 5">
+            <a:extLst>
+              <a:ext uri="{FF2B5EF4-FFF2-40B4-BE49-F238E27FC236}">
+                <a16:creationId xmlns:a16="http://schemas.microsoft.com/office/drawing/2014/main" id="{C9B0FDD7-E032-4F12-8881-4CAD92AB5192}"/>
+              </a:ext>
+            </a:extLst>
+          </p:cNvPr>
+          <p:cNvSpPr>
+            <a:spLocks noGrp="1"/>
+          </p:cNvSpPr>
+          <p:nvPr>
+            <p:ph idx="4" sz="quarter" type="sldNum"/>
+          </p:nvPr>
+        </p:nvSpPr>
+        <p:spPr>
+          <a:xfrm>
+            <a:off x="7829550" y="6356350"/>
+            <a:ext cx="3524250" cy="365125"/>
+          </a:xfrm>
+          <a:prstGeom prst="rect">
+            <a:avLst/>
+          </a:prstGeom>
+        </p:spPr>
+        <p:txBody>
+          <a:bodyPr anchor="ctr" bIns="45720" lIns="91440" rIns="91440" rtlCol="0" tIns="45720" vert="horz"/>
+          <a:lstStyle>
+            <a:lvl1pPr algn="r">
+              <a:defRPr sz="1200">
+                <a:solidFill>
+                  <a:schemeClr val="tx1">
+                    <a:tint val="75000"/>
+                  </a:schemeClr>
+                </a:solidFill>
+              </a:defRPr>
+            </a:lvl1pPr>
+          </a:lstStyle>
+          <a:p>
+            <a:r>
+              <a:rPr b="1" baseline="0" dirty="0" i="0" lang="es-MX" strike="noStrike" sz="1800" u="none">
+                <a:solidFill>
+                  <a:srgbClr val="86358B"/>
+                </a:solidFill>
+                <a:latin typeface="LMRoman10-Bold"/>
+              </a:rPr>
+              <a:t>Tonatiuh Bravo Padilla | Regidor</a:t>
+            </a:r>
+            <a:endParaRPr dirty="0" lang="es-MX"/>
+          </a:p>
+        </p:txBody>
+      </p:sp>
+      <p:pic>
+        <p:nvPicPr>
+          <p:cNvPr descr="Dibujo con letras blancas  Descripción generada automáticamente con confianza media" id="8" name="Imagen 7">
+            <a:extLst>
+              <a:ext uri="{FF2B5EF4-FFF2-40B4-BE49-F238E27FC236}">
+                <a16:creationId xmlns:a16="http://schemas.microsoft.com/office/drawing/2014/main" id="{B2521E60-2B5C-431F-90C9-219A0B8EEA94}"/>
+              </a:ext>
+            </a:extLst>
+          </p:cNvPr>
+          <p:cNvPicPr>
+            <a:picLocks noChangeAspect="1"/>
+          </p:cNvPicPr>
+          <p:nvPr userDrawn="1"/>
+        </p:nvPicPr>
+        <p:blipFill>
+          <a:blip r:embed="rId17">
+            <a:extLst>
+              <a:ext uri="{28A0092B-C50C-407E-A947-70E740481C1C}">
+                <a14:useLocalDpi xmlns:a14="http://schemas.microsoft.com/office/drawing/2010/main" val="0"/>
+              </a:ext>
+            </a:extLst>
+          </a:blip>
+          <a:stretch>
+            <a:fillRect/>
+          </a:stretch>
+        </p:blipFill>
+        <p:spPr>
+          <a:xfrm>
+            <a:off x="838200" y="6353425"/>
+            <a:ext cx="1514505" cy="368050"/>
+          </a:xfrm>
+          <a:prstGeom prst="rect">
+            <a:avLst/>
+          </a:prstGeom>
+          <a:ln>
+            <a:noFill/>
+          </a:ln>
+        </p:spPr>
+      </p:pic>
+      <p:sp>
+        <p:nvSpPr>
           <p:cNvPr id="9" name="Rectángulo 8">
             <a:extLst>
               <a:ext uri="{FF2B5EF4-FFF2-40B4-BE49-F238E27FC236}">
-                <a16:creationId xmlns:a16="http://schemas.microsoft.com/office/drawing/2014/main" id="{499B7A9F-D341-44E3-A30E-16F68BB8DC49}"/>
+                <a16:creationId xmlns:a16="http://schemas.microsoft.com/office/drawing/2014/main" id="{582BC4BF-4744-4B8F-9C69-B33B8AC0D0BC}"/>
               </a:ext>
             </a:extLst>
           </p:cNvPr>
@@ -2811,8 +4484,8 @@
         </p:nvSpPr>
         <p:spPr>
           <a:xfrm>
-            <a:off x="0" y="0"/>
-            <a:ext cx="831274" cy="6858001"/>
+            <a:off x="838200" y="6264000"/>
+            <a:ext cx="10515600" cy="36000"/>
           </a:xfrm>
           <a:prstGeom prst="rect">
             <a:avLst/>
@@ -2845,298 +4518,21 @@
           <a:lstStyle/>
           <a:p>
             <a:pPr algn="ctr"/>
-            <a:endParaRPr lang="es-MX"/>
+            <a:endParaRPr lang="es-MX">
+              <a:ln>
+                <a:noFill/>
+              </a:ln>
+              <a:noFill/>
+            </a:endParaRPr>
           </a:p>
         </p:txBody>
       </p:sp>
-      <p:sp>
-        <p:nvSpPr>
-          <p:cNvPr id="2" name="Marcador de título 1">
-            <a:extLst>
-              <a:ext uri="{FF2B5EF4-FFF2-40B4-BE49-F238E27FC236}">
-                <a16:creationId xmlns:a16="http://schemas.microsoft.com/office/drawing/2014/main" id="{6F9DBE60-2965-4393-9966-64AAE7C6939D}"/>
-              </a:ext>
-            </a:extLst>
-          </p:cNvPr>
-          <p:cNvSpPr>
-            <a:spLocks noGrp="1"/>
-          </p:cNvSpPr>
-          <p:nvPr>
-            <p:ph type="title"/>
-          </p:nvPr>
-        </p:nvSpPr>
-        <p:spPr>
-          <a:xfrm>
-            <a:off x="838200" y="365125"/>
-            <a:ext cx="10515600" cy="1325563"/>
-          </a:xfrm>
-          <a:prstGeom prst="rect">
-            <a:avLst/>
-          </a:prstGeom>
-        </p:spPr>
-        <p:txBody>
-          <a:bodyPr anchor="ctr" bIns="45720" lIns="91440" rIns="91440" rtlCol="0" tIns="45720" vert="horz">
-            <a:normAutofit/>
-          </a:bodyPr>
-          <a:lstStyle/>
-          <a:p>
-            <a:r>
-              <a:rPr dirty="0" lang="es-ES"/>
-              <a:t>Haga clic para modificar el estilo de título del patrón</a:t>
-            </a:r>
-            <a:endParaRPr dirty="0" lang="es-MX"/>
-          </a:p>
-        </p:txBody>
-      </p:sp>
-      <p:sp>
-        <p:nvSpPr>
-          <p:cNvPr id="3" name="Marcador de texto 2">
-            <a:extLst>
-              <a:ext uri="{FF2B5EF4-FFF2-40B4-BE49-F238E27FC236}">
-                <a16:creationId xmlns:a16="http://schemas.microsoft.com/office/drawing/2014/main" id="{73FB004D-751F-4EDD-A14E-107F07AC37EC}"/>
-              </a:ext>
-            </a:extLst>
-          </p:cNvPr>
-          <p:cNvSpPr>
-            <a:spLocks noGrp="1"/>
-          </p:cNvSpPr>
-          <p:nvPr>
-            <p:ph idx="1" type="body"/>
-          </p:nvPr>
-        </p:nvSpPr>
-        <p:spPr>
-          <a:xfrm>
-            <a:off x="838200" y="1825625"/>
-            <a:ext cx="10515600" cy="4351338"/>
-          </a:xfrm>
-          <a:prstGeom prst="rect">
-            <a:avLst/>
-          </a:prstGeom>
-        </p:spPr>
-        <p:txBody>
-          <a:bodyPr bIns="45720" lIns="91440" rIns="91440" rtlCol="0" tIns="45720" vert="horz">
-            <a:normAutofit/>
-          </a:bodyPr>
-          <a:lstStyle/>
-          <a:p>
-            <a:pPr lvl="0"/>
-            <a:r>
-              <a:rPr lang="es-ES"/>
-              <a:t>Haga clic para modificar los estilos de texto del patrón</a:t>
-            </a:r>
-          </a:p>
-          <a:p>
-            <a:pPr lvl="1"/>
-            <a:r>
-              <a:rPr lang="es-ES"/>
-              <a:t>Segundo nivel</a:t>
-            </a:r>
-          </a:p>
-          <a:p>
-            <a:pPr lvl="2"/>
-            <a:r>
-              <a:rPr lang="es-ES"/>
-              <a:t>Tercer nivel</a:t>
-            </a:r>
-          </a:p>
-          <a:p>
-            <a:pPr lvl="3"/>
-            <a:r>
-              <a:rPr lang="es-ES"/>
-              <a:t>Cuarto nivel</a:t>
-            </a:r>
-          </a:p>
-          <a:p>
-            <a:pPr lvl="4"/>
-            <a:r>
-              <a:rPr lang="es-ES"/>
-              <a:t>Quinto nivel</a:t>
-            </a:r>
-            <a:endParaRPr lang="es-MX"/>
-          </a:p>
-        </p:txBody>
-      </p:sp>
-      <p:sp>
-        <p:nvSpPr>
-          <p:cNvPr id="4" name="Marcador de fecha 3">
-            <a:extLst>
-              <a:ext uri="{FF2B5EF4-FFF2-40B4-BE49-F238E27FC236}">
-                <a16:creationId xmlns:a16="http://schemas.microsoft.com/office/drawing/2014/main" id="{16DB096A-B927-4082-AED2-BBF9A6A9789C}"/>
-              </a:ext>
-            </a:extLst>
-          </p:cNvPr>
-          <p:cNvSpPr>
-            <a:spLocks noGrp="1"/>
-          </p:cNvSpPr>
-          <p:nvPr>
-            <p:ph idx="2" sz="half" type="dt"/>
-          </p:nvPr>
-        </p:nvSpPr>
-        <p:spPr>
-          <a:xfrm>
-            <a:off x="838200" y="6356350"/>
-            <a:ext cx="2743200" cy="365125"/>
-          </a:xfrm>
-          <a:prstGeom prst="rect">
-            <a:avLst/>
-          </a:prstGeom>
-        </p:spPr>
-        <p:txBody>
-          <a:bodyPr anchor="ctr" bIns="45720" lIns="91440" rIns="91440" rtlCol="0" tIns="45720" vert="horz"/>
-          <a:lstStyle>
-            <a:lvl1pPr algn="l">
-              <a:defRPr sz="1200">
-                <a:solidFill>
-                  <a:schemeClr val="tx1">
-                    <a:tint val="75000"/>
-                  </a:schemeClr>
-                </a:solidFill>
-              </a:defRPr>
-            </a:lvl1pPr>
-          </a:lstStyle>
-          <a:p>
-            <a:fld id="{736545F3-8D3D-4D05-8A54-09E52B7ADA46}" type="datetimeFigureOut">
-              <a:rPr lang="es-MX" smtClean="0"/>
-              <a:t>29/01/2022</a:t>
-            </a:fld>
-            <a:endParaRPr lang="es-MX"/>
-          </a:p>
-        </p:txBody>
-      </p:sp>
-      <p:sp>
-        <p:nvSpPr>
-          <p:cNvPr id="5" name="Marcador de pie de página 4">
-            <a:extLst>
-              <a:ext uri="{FF2B5EF4-FFF2-40B4-BE49-F238E27FC236}">
-                <a16:creationId xmlns:a16="http://schemas.microsoft.com/office/drawing/2014/main" id="{2CE8E0D2-BCE8-49E4-97D4-1A7A8B6DD2EA}"/>
-              </a:ext>
-            </a:extLst>
-          </p:cNvPr>
-          <p:cNvSpPr>
-            <a:spLocks noGrp="1"/>
-          </p:cNvSpPr>
-          <p:nvPr>
-            <p:ph idx="3" sz="quarter" type="ftr"/>
-          </p:nvPr>
-        </p:nvSpPr>
-        <p:spPr>
-          <a:xfrm>
-            <a:off x="4038600" y="6356350"/>
-            <a:ext cx="4114800" cy="365125"/>
-          </a:xfrm>
-          <a:prstGeom prst="rect">
-            <a:avLst/>
-          </a:prstGeom>
-        </p:spPr>
-        <p:txBody>
-          <a:bodyPr anchor="ctr" bIns="45720" lIns="91440" rIns="91440" rtlCol="0" tIns="45720" vert="horz"/>
-          <a:lstStyle>
-            <a:lvl1pPr algn="ctr">
-              <a:defRPr sz="1200">
-                <a:solidFill>
-                  <a:schemeClr val="tx1">
-                    <a:tint val="75000"/>
-                  </a:schemeClr>
-                </a:solidFill>
-              </a:defRPr>
-            </a:lvl1pPr>
-          </a:lstStyle>
-          <a:p>
-            <a:endParaRPr lang="es-MX"/>
-          </a:p>
-        </p:txBody>
-      </p:sp>
-      <p:sp>
-        <p:nvSpPr>
-          <p:cNvPr id="6" name="Marcador de número de diapositiva 5">
-            <a:extLst>
-              <a:ext uri="{FF2B5EF4-FFF2-40B4-BE49-F238E27FC236}">
-                <a16:creationId xmlns:a16="http://schemas.microsoft.com/office/drawing/2014/main" id="{C6173F1C-067E-4017-A0B0-B2A618F604BE}"/>
-              </a:ext>
-            </a:extLst>
-          </p:cNvPr>
-          <p:cNvSpPr>
-            <a:spLocks noGrp="1"/>
-          </p:cNvSpPr>
-          <p:nvPr>
-            <p:ph idx="4" sz="quarter" type="sldNum"/>
-          </p:nvPr>
-        </p:nvSpPr>
-        <p:spPr>
-          <a:xfrm>
-            <a:off x="8610600" y="6356350"/>
-            <a:ext cx="2743200" cy="365125"/>
-          </a:xfrm>
-          <a:prstGeom prst="rect">
-            <a:avLst/>
-          </a:prstGeom>
-        </p:spPr>
-        <p:txBody>
-          <a:bodyPr anchor="ctr" bIns="45720" lIns="91440" rIns="91440" rtlCol="0" tIns="45720" vert="horz"/>
-          <a:lstStyle>
-            <a:lvl1pPr algn="r">
-              <a:defRPr sz="1200">
-                <a:solidFill>
-                  <a:schemeClr val="tx1">
-                    <a:tint val="75000"/>
-                  </a:schemeClr>
-                </a:solidFill>
-              </a:defRPr>
-            </a:lvl1pPr>
-          </a:lstStyle>
-          <a:p>
-            <a:fld id="{0C9EBE43-8140-4FD4-875D-BFFE9B2D9EEE}" type="slidenum">
-              <a:rPr lang="es-MX" smtClean="0"/>
-              <a:t>‹Nº›</a:t>
-            </a:fld>
-            <a:endParaRPr lang="es-MX"/>
-          </a:p>
-        </p:txBody>
-      </p:sp>
-      <p:pic>
-        <p:nvPicPr>
-          <p:cNvPr descr="Un dibujo de una persona  Descripción generada automáticamente" id="8" name="Imagen 7">
-            <a:extLst>
-              <a:ext uri="{FF2B5EF4-FFF2-40B4-BE49-F238E27FC236}">
-                <a16:creationId xmlns:a16="http://schemas.microsoft.com/office/drawing/2014/main" id="{AFA578D6-4655-4FBB-BDA6-752C9CFAFA02}"/>
-              </a:ext>
-            </a:extLst>
-          </p:cNvPr>
-          <p:cNvPicPr>
-            <a:picLocks noChangeAspect="1"/>
-          </p:cNvPicPr>
-          <p:nvPr userDrawn="1"/>
-        </p:nvPicPr>
-        <p:blipFill rotWithShape="1">
-          <a:blip r:embed="rId13">
-            <a:extLst>
-              <a:ext uri="{28A0092B-C50C-407E-A947-70E740481C1C}">
-                <a14:useLocalDpi xmlns:a14="http://schemas.microsoft.com/office/drawing/2010/main" val="0"/>
-              </a:ext>
-            </a:extLst>
-          </a:blip>
-          <a:srcRect l="31800" r="16967"/>
-          <a:stretch/>
-        </p:blipFill>
-        <p:spPr>
-          <a:xfrm>
-            <a:off x="0" y="360000"/>
-            <a:ext cx="824668" cy="535709"/>
-          </a:xfrm>
-          <a:prstGeom prst="rect">
-            <a:avLst/>
-          </a:prstGeom>
-          <a:ln>
-            <a:noFill/>
-          </a:ln>
-        </p:spPr>
-      </p:pic>
       <p:sp>
         <p:nvSpPr>
           <p:cNvPr id="10" name="Rectángulo 9">
             <a:extLst>
               <a:ext uri="{FF2B5EF4-FFF2-40B4-BE49-F238E27FC236}">
-                <a16:creationId xmlns:a16="http://schemas.microsoft.com/office/drawing/2014/main" id="{9E737F01-6A76-4EC4-B747-692493A0D94B}"/>
+                <a16:creationId xmlns:a16="http://schemas.microsoft.com/office/drawing/2014/main" id="{D30C8DD0-3909-4537-8B41-E09278F6036E}"/>
               </a:ext>
             </a:extLst>
           </p:cNvPr>
@@ -3145,8 +4541,8 @@
         </p:nvSpPr>
         <p:spPr>
           <a:xfrm>
-            <a:off x="-6925" y="6721475"/>
-            <a:ext cx="12198926" cy="136525"/>
+            <a:off x="838200" y="180000"/>
+            <a:ext cx="10515600" cy="36000"/>
           </a:xfrm>
           <a:prstGeom prst="rect">
             <a:avLst/>
@@ -3179,14 +4575,19 @@
           <a:lstStyle/>
           <a:p>
             <a:pPr algn="ctr"/>
-            <a:endParaRPr lang="es-MX"/>
+            <a:endParaRPr lang="es-MX">
+              <a:ln>
+                <a:noFill/>
+              </a:ln>
+              <a:noFill/>
+            </a:endParaRPr>
           </a:p>
         </p:txBody>
       </p:sp>
     </p:spTree>
     <p:extLst>
       <p:ext uri="{BB962C8B-B14F-4D97-AF65-F5344CB8AC3E}">
-        <p14:creationId xmlns:p14="http://schemas.microsoft.com/office/powerpoint/2010/main" val="3893290388"/>
+        <p14:creationId xmlns:p14="http://schemas.microsoft.com/office/powerpoint/2010/main" val="1370938723"/>
       </p:ext>
     </p:extLst>
   </p:cSld>
@@ -3203,10 +4604,10 @@
     <p:sldLayoutId id="2147483657" r:id="rId9"/>
     <p:sldLayoutId id="2147483658" r:id="rId10"/>
     <p:sldLayoutId id="2147483659" r:id="rId11"/>
-    <p:sldLayoutId id="2147483663" r:id="rId17"/>
-    <p:sldLayoutId id="2147483662" r:id="rId16"/>
-    <p:sldLayoutId id="2147483661" r:id="rId15"/>
-    <p:sldLayoutId id="2147483660" r:id="rId14"/>
+    <p:sldLayoutId id="2147483663" r:id="rId12"/>
+    <p:sldLayoutId id="2147483662" r:id="rId13"/>
+    <p:sldLayoutId id="2147483661" r:id="rId14"/>
+    <p:sldLayoutId id="2147483660" r:id="rId15"/>
   </p:sldLayoutIdLst>
   <p:txStyles>
     <p:titleStyle>
@@ -3520,7 +4921,7 @@
         </p:nvSpPr>
         <p:spPr>
           <a:xfrm>
-            <a:off x="685800" y="2130425"/>
+            <a:off x="2209800" y="925468"/>
             <a:ext cx="7772400" cy="1470025"/>
           </a:xfrm>
         </p:spPr>
@@ -3550,7 +4951,7 @@
         </p:nvSpPr>
         <p:spPr>
           <a:xfrm>
-            <a:off x="1371600" y="3886200"/>
+            <a:off x="2895600" y="3074349"/>
             <a:ext cx="6400800" cy="1752600"/>
           </a:xfrm>
         </p:spPr>
@@ -3646,8 +5047,8 @@
           </p:nvPr>
         </p:nvGraphicFramePr>
         <p:xfrm>
-          <a:off x="838200" y="1816100"/>
-          <a:ext cx="10515600" cy="4343400"/>
+          <a:off x="838200" y="1270000"/>
+          <a:ext cx="10515600" cy="4902200"/>
         </p:xfrm>
         <a:graphic>
           <a:graphicData uri="http://schemas.openxmlformats.org/drawingml/2006/table">
@@ -3793,7 +5194,12 @@
             <p:ph type="title"/>
           </p:nvPr>
         </p:nvSpPr>
-        <p:spPr/>
+        <p:spPr>
+          <a:xfrm>
+            <a:off x="838200" y="365126"/>
+            <a:ext cx="10515600" cy="660370"/>
+          </a:xfrm>
+        </p:spPr>
         <p:txBody>
           <a:bodyPr/>
           <a:lstStyle/>
@@ -3882,8 +5288,8 @@
           </p:nvPr>
         </p:nvGraphicFramePr>
         <p:xfrm>
-          <a:off x="838200" y="1816100"/>
-          <a:ext cx="10515600" cy="4343400"/>
+          <a:off x="838200" y="1270000"/>
+          <a:ext cx="10515600" cy="4902200"/>
         </p:xfrm>
         <a:graphic>
           <a:graphicData uri="http://schemas.openxmlformats.org/drawingml/2006/table">
@@ -4237,8 +5643,8 @@
           </p:nvPr>
         </p:nvGraphicFramePr>
         <p:xfrm>
-          <a:off x="838200" y="1816100"/>
-          <a:ext cx="10515600" cy="4343400"/>
+          <a:off x="838200" y="1270000"/>
+          <a:ext cx="10515600" cy="4902200"/>
         </p:xfrm>
         <a:graphic>
           <a:graphicData uri="http://schemas.openxmlformats.org/drawingml/2006/table">
@@ -4592,8 +5998,8 @@
           </p:nvPr>
         </p:nvGraphicFramePr>
         <p:xfrm>
-          <a:off x="838200" y="1816100"/>
-          <a:ext cx="10515600" cy="4343400"/>
+          <a:off x="838200" y="1270000"/>
+          <a:ext cx="10515600" cy="4902200"/>
         </p:xfrm>
         <a:graphic>
           <a:graphicData uri="http://schemas.openxmlformats.org/drawingml/2006/table">
@@ -4899,7 +6305,12 @@
             <p:ph type="title"/>
           </p:nvPr>
         </p:nvSpPr>
-        <p:spPr/>
+        <p:spPr>
+          <a:xfrm>
+            <a:off x="838200" y="365126"/>
+            <a:ext cx="10515600" cy="660370"/>
+          </a:xfrm>
+        </p:spPr>
         <p:txBody>
           <a:bodyPr/>
           <a:lstStyle/>
@@ -5004,8 +6415,8 @@
           </p:nvPr>
         </p:nvGraphicFramePr>
         <p:xfrm>
-          <a:off x="838200" y="1816100"/>
-          <a:ext cx="10515600" cy="4343400"/>
+          <a:off x="838200" y="1270000"/>
+          <a:ext cx="10515600" cy="4902200"/>
         </p:xfrm>
         <a:graphic>
           <a:graphicData uri="http://schemas.openxmlformats.org/drawingml/2006/table">
@@ -5279,7 +6690,12 @@
             <p:ph type="title"/>
           </p:nvPr>
         </p:nvSpPr>
-        <p:spPr/>
+        <p:spPr>
+          <a:xfrm>
+            <a:off x="838200" y="365126"/>
+            <a:ext cx="10515600" cy="660370"/>
+          </a:xfrm>
+        </p:spPr>
         <p:txBody>
           <a:bodyPr/>
           <a:lstStyle/>
@@ -5382,8 +6798,8 @@
           </p:nvPr>
         </p:nvGraphicFramePr>
         <p:xfrm>
-          <a:off x="838200" y="1816100"/>
-          <a:ext cx="10515600" cy="4343400"/>
+          <a:off x="838200" y="1270000"/>
+          <a:ext cx="10515600" cy="4902200"/>
         </p:xfrm>
         <a:graphic>
           <a:graphicData uri="http://schemas.openxmlformats.org/drawingml/2006/table">
@@ -6014,8 +7430,8 @@
           </p:nvPr>
         </p:nvGraphicFramePr>
         <p:xfrm>
-          <a:off x="838200" y="1816100"/>
-          <a:ext cx="10515600" cy="4343400"/>
+          <a:off x="838200" y="1270000"/>
+          <a:ext cx="10515600" cy="4902200"/>
         </p:xfrm>
         <a:graphic>
           <a:graphicData uri="http://schemas.openxmlformats.org/drawingml/2006/table">
@@ -6477,7 +7893,12 @@
             <p:ph type="title"/>
           </p:nvPr>
         </p:nvSpPr>
-        <p:spPr/>
+        <p:spPr>
+          <a:xfrm>
+            <a:off x="838200" y="365126"/>
+            <a:ext cx="10515600" cy="660370"/>
+          </a:xfrm>
+        </p:spPr>
         <p:txBody>
           <a:bodyPr/>
           <a:lstStyle/>
@@ -6566,8 +7987,8 @@
           </p:nvPr>
         </p:nvGraphicFramePr>
         <p:xfrm>
-          <a:off x="838200" y="1816100"/>
-          <a:ext cx="10515600" cy="4343400"/>
+          <a:off x="838200" y="1270000"/>
+          <a:ext cx="10515600" cy="4902200"/>
         </p:xfrm>
         <a:graphic>
           <a:graphicData uri="http://schemas.openxmlformats.org/drawingml/2006/table">
@@ -6841,8 +8262,8 @@
           </p:nvPr>
         </p:nvGraphicFramePr>
         <p:xfrm>
-          <a:off x="838200" y="1816100"/>
-          <a:ext cx="10515600" cy="4343400"/>
+          <a:off x="838200" y="1270000"/>
+          <a:ext cx="10515600" cy="4902200"/>
         </p:xfrm>
         <a:graphic>
           <a:graphicData uri="http://schemas.openxmlformats.org/drawingml/2006/table">
@@ -7239,7 +8660,12 @@
             <p:ph type="title"/>
           </p:nvPr>
         </p:nvSpPr>
-        <p:spPr/>
+        <p:spPr>
+          <a:xfrm>
+            <a:off x="838200" y="365126"/>
+            <a:ext cx="10515600" cy="660370"/>
+          </a:xfrm>
+        </p:spPr>
         <p:txBody>
           <a:bodyPr/>
           <a:lstStyle/>
@@ -7343,7 +8769,12 @@
             <p:ph type="title"/>
           </p:nvPr>
         </p:nvSpPr>
-        <p:spPr/>
+        <p:spPr>
+          <a:xfrm>
+            <a:off x="838200" y="365126"/>
+            <a:ext cx="10515600" cy="660370"/>
+          </a:xfrm>
+        </p:spPr>
         <p:txBody>
           <a:bodyPr/>
           <a:lstStyle/>
@@ -7416,8 +8847,8 @@
           </p:nvPr>
         </p:nvGraphicFramePr>
         <p:xfrm>
-          <a:off x="838200" y="1816100"/>
-          <a:ext cx="10515600" cy="4343400"/>
+          <a:off x="838200" y="1270000"/>
+          <a:ext cx="10515600" cy="4902200"/>
         </p:xfrm>
         <a:graphic>
           <a:graphicData uri="http://schemas.openxmlformats.org/drawingml/2006/table">
@@ -7651,8 +9082,8 @@
           </p:nvPr>
         </p:nvGraphicFramePr>
         <p:xfrm>
-          <a:off x="838200" y="1816100"/>
-          <a:ext cx="10515600" cy="4343400"/>
+          <a:off x="838200" y="1270000"/>
+          <a:ext cx="10515600" cy="4902200"/>
         </p:xfrm>
         <a:graphic>
           <a:graphicData uri="http://schemas.openxmlformats.org/drawingml/2006/table">
@@ -7981,8 +9412,8 @@
           </p:nvPr>
         </p:nvGraphicFramePr>
         <p:xfrm>
-          <a:off x="838200" y="1816100"/>
-          <a:ext cx="10515600" cy="4343400"/>
+          <a:off x="838200" y="1270000"/>
+          <a:ext cx="10515600" cy="4902200"/>
         </p:xfrm>
         <a:graphic>
           <a:graphicData uri="http://schemas.openxmlformats.org/drawingml/2006/table">
@@ -8216,7 +9647,12 @@
             <p:ph type="title"/>
           </p:nvPr>
         </p:nvSpPr>
-        <p:spPr/>
+        <p:spPr>
+          <a:xfrm>
+            <a:off x="838200" y="365126"/>
+            <a:ext cx="10515600" cy="660370"/>
+          </a:xfrm>
+        </p:spPr>
         <p:txBody>
           <a:bodyPr/>
           <a:lstStyle/>
@@ -8323,7 +9759,12 @@
             <p:ph type="title"/>
           </p:nvPr>
         </p:nvSpPr>
-        <p:spPr/>
+        <p:spPr>
+          <a:xfrm>
+            <a:off x="838200" y="365126"/>
+            <a:ext cx="10515600" cy="660370"/>
+          </a:xfrm>
+        </p:spPr>
         <p:txBody>
           <a:bodyPr/>
           <a:lstStyle/>
@@ -8456,8 +9897,8 @@
           </p:nvPr>
         </p:nvGraphicFramePr>
         <p:xfrm>
-          <a:off x="838200" y="1816100"/>
-          <a:ext cx="10515600" cy="4343400"/>
+          <a:off x="838200" y="1270000"/>
+          <a:ext cx="10515600" cy="4902200"/>
         </p:xfrm>
         <a:graphic>
           <a:graphicData uri="http://schemas.openxmlformats.org/drawingml/2006/table">
@@ -8612,8 +10053,8 @@
           </p:nvPr>
         </p:nvGraphicFramePr>
         <p:xfrm>
-          <a:off x="838200" y="1816100"/>
-          <a:ext cx="10515600" cy="4343400"/>
+          <a:off x="838200" y="1270000"/>
+          <a:ext cx="10515600" cy="4902200"/>
         </p:xfrm>
         <a:graphic>
           <a:graphicData uri="http://schemas.openxmlformats.org/drawingml/2006/table">
@@ -8839,8 +10280,8 @@
           </p:nvPr>
         </p:nvGraphicFramePr>
         <p:xfrm>
-          <a:off x="838200" y="1816100"/>
-          <a:ext cx="10515600" cy="4343400"/>
+          <a:off x="838200" y="1270000"/>
+          <a:ext cx="10515600" cy="4902200"/>
         </p:xfrm>
         <a:graphic>
           <a:graphicData uri="http://schemas.openxmlformats.org/drawingml/2006/table">
@@ -9155,8 +10596,8 @@
           </p:nvPr>
         </p:nvGraphicFramePr>
         <p:xfrm>
-          <a:off x="838200" y="1816100"/>
-          <a:ext cx="10515600" cy="4343400"/>
+          <a:off x="838200" y="1270000"/>
+          <a:ext cx="10515600" cy="4902200"/>
         </p:xfrm>
         <a:graphic>
           <a:graphicData uri="http://schemas.openxmlformats.org/drawingml/2006/table">
@@ -9407,8 +10848,8 @@
           </p:nvPr>
         </p:nvGraphicFramePr>
         <p:xfrm>
-          <a:off x="838200" y="1816100"/>
-          <a:ext cx="10515600" cy="4343400"/>
+          <a:off x="838200" y="1270000"/>
+          <a:ext cx="10515600" cy="4902200"/>
         </p:xfrm>
         <a:graphic>
           <a:graphicData uri="http://schemas.openxmlformats.org/drawingml/2006/table">
@@ -9576,67 +11017,15 @@
         <a:srgbClr val="954F72"/>
       </a:folHlink>
     </a:clrScheme>
-    <a:fontScheme name="Office">
+    <a:fontScheme name="Arial">
       <a:majorFont>
-        <a:latin typeface="Calibri Light" panose="020F0302020204030204"/>
+        <a:latin typeface="Arial" panose="020B0604020202020204"/>
         <a:ea typeface=""/>
         <a:cs typeface=""/>
-        <a:font script="Jpan" typeface="游ゴシック Light"/>
-        <a:font script="Hang" typeface="맑은 고딕"/>
-        <a:font script="Hans" typeface="等线 Light"/>
-        <a:font script="Hant" typeface="新細明體"/>
-        <a:font script="Arab" typeface="Times New Roman"/>
-        <a:font script="Hebr" typeface="Times New Roman"/>
-        <a:font script="Thai" typeface="Angsana New"/>
-        <a:font script="Ethi" typeface="Nyala"/>
-        <a:font script="Beng" typeface="Vrinda"/>
-        <a:font script="Gujr" typeface="Shruti"/>
-        <a:font script="Khmr" typeface="MoolBoran"/>
-        <a:font script="Knda" typeface="Tunga"/>
-        <a:font script="Guru" typeface="Raavi"/>
-        <a:font script="Cans" typeface="Euphemia"/>
-        <a:font script="Cher" typeface="Plantagenet Cherokee"/>
-        <a:font script="Yiii" typeface="Microsoft Yi Baiti"/>
-        <a:font script="Tibt" typeface="Microsoft Himalaya"/>
-        <a:font script="Thaa" typeface="MV Boli"/>
-        <a:font script="Deva" typeface="Mangal"/>
-        <a:font script="Telu" typeface="Gautami"/>
-        <a:font script="Taml" typeface="Latha"/>
-        <a:font script="Syrc" typeface="Estrangelo Edessa"/>
-        <a:font script="Orya" typeface="Kalinga"/>
-        <a:font script="Mlym" typeface="Kartika"/>
-        <a:font script="Laoo" typeface="DokChampa"/>
-        <a:font script="Sinh" typeface="Iskoola Pota"/>
-        <a:font script="Mong" typeface="Mongolian Baiti"/>
-        <a:font script="Viet" typeface="Times New Roman"/>
-        <a:font script="Uigh" typeface="Microsoft Uighur"/>
-        <a:font script="Geor" typeface="Sylfaen"/>
-        <a:font script="Armn" typeface="Arial"/>
-        <a:font script="Bugi" typeface="Leelawadee UI"/>
-        <a:font script="Bopo" typeface="Microsoft JhengHei"/>
-        <a:font script="Java" typeface="Javanese Text"/>
-        <a:font script="Lisu" typeface="Segoe UI"/>
-        <a:font script="Mymr" typeface="Myanmar Text"/>
-        <a:font script="Nkoo" typeface="Ebrima"/>
-        <a:font script="Olck" typeface="Nirmala UI"/>
-        <a:font script="Osma" typeface="Ebrima"/>
-        <a:font script="Phag" typeface="Phagspa"/>
-        <a:font script="Syrn" typeface="Estrangelo Edessa"/>
-        <a:font script="Syrj" typeface="Estrangelo Edessa"/>
-        <a:font script="Syre" typeface="Estrangelo Edessa"/>
-        <a:font script="Sora" typeface="Nirmala UI"/>
-        <a:font script="Tale" typeface="Microsoft Tai Le"/>
-        <a:font script="Talu" typeface="Microsoft New Tai Lue"/>
-        <a:font script="Tfng" typeface="Ebrima"/>
-      </a:majorFont>
-      <a:minorFont>
-        <a:latin typeface="Calibri" panose="020F0502020204030204"/>
-        <a:ea typeface=""/>
-        <a:cs typeface=""/>
-        <a:font script="Jpan" typeface="游ゴシック"/>
-        <a:font script="Hang" typeface="맑은 고딕"/>
-        <a:font script="Hans" typeface="等线"/>
-        <a:font script="Hant" typeface="新細明體"/>
+        <a:font script="Jpan" typeface="ＭＳ Ｐゴシック"/>
+        <a:font script="Hang" typeface="굴림"/>
+        <a:font script="Hans" typeface="黑体"/>
+        <a:font script="Hant" typeface="微軟正黑體"/>
         <a:font script="Arab" typeface="Arial"/>
         <a:font script="Hebr" typeface="Arial"/>
         <a:font script="Thai" typeface="Cordia New"/>
@@ -9663,23 +11052,41 @@
         <a:font script="Viet" typeface="Arial"/>
         <a:font script="Uigh" typeface="Microsoft Uighur"/>
         <a:font script="Geor" typeface="Sylfaen"/>
-        <a:font script="Armn" typeface="Arial"/>
-        <a:font script="Bugi" typeface="Leelawadee UI"/>
-        <a:font script="Bopo" typeface="Microsoft JhengHei"/>
-        <a:font script="Java" typeface="Javanese Text"/>
-        <a:font script="Lisu" typeface="Segoe UI"/>
-        <a:font script="Mymr" typeface="Myanmar Text"/>
-        <a:font script="Nkoo" typeface="Ebrima"/>
-        <a:font script="Olck" typeface="Nirmala UI"/>
-        <a:font script="Osma" typeface="Ebrima"/>
-        <a:font script="Phag" typeface="Phagspa"/>
-        <a:font script="Syrn" typeface="Estrangelo Edessa"/>
-        <a:font script="Syrj" typeface="Estrangelo Edessa"/>
-        <a:font script="Syre" typeface="Estrangelo Edessa"/>
-        <a:font script="Sora" typeface="Nirmala UI"/>
-        <a:font script="Tale" typeface="Microsoft Tai Le"/>
-        <a:font script="Talu" typeface="Microsoft New Tai Lue"/>
-        <a:font script="Tfng" typeface="Ebrima"/>
+      </a:majorFont>
+      <a:minorFont>
+        <a:latin typeface="Arial" panose="020B0604020202020204"/>
+        <a:ea typeface=""/>
+        <a:cs typeface=""/>
+        <a:font script="Jpan" typeface="ＭＳ Ｐゴシック"/>
+        <a:font script="Hang" typeface="굴림"/>
+        <a:font script="Hans" typeface="黑体"/>
+        <a:font script="Hant" typeface="微軟正黑體"/>
+        <a:font script="Arab" typeface="Arial"/>
+        <a:font script="Hebr" typeface="Arial"/>
+        <a:font script="Thai" typeface="Cordia New"/>
+        <a:font script="Ethi" typeface="Nyala"/>
+        <a:font script="Beng" typeface="Vrinda"/>
+        <a:font script="Gujr" typeface="Shruti"/>
+        <a:font script="Khmr" typeface="DaunPenh"/>
+        <a:font script="Knda" typeface="Tunga"/>
+        <a:font script="Guru" typeface="Raavi"/>
+        <a:font script="Cans" typeface="Euphemia"/>
+        <a:font script="Cher" typeface="Plantagenet Cherokee"/>
+        <a:font script="Yiii" typeface="Microsoft Yi Baiti"/>
+        <a:font script="Tibt" typeface="Microsoft Himalaya"/>
+        <a:font script="Thaa" typeface="MV Boli"/>
+        <a:font script="Deva" typeface="Mangal"/>
+        <a:font script="Telu" typeface="Gautami"/>
+        <a:font script="Taml" typeface="Latha"/>
+        <a:font script="Syrc" typeface="Estrangelo Edessa"/>
+        <a:font script="Orya" typeface="Kalinga"/>
+        <a:font script="Mlym" typeface="Kartika"/>
+        <a:font script="Laoo" typeface="DokChampa"/>
+        <a:font script="Sinh" typeface="Iskoola Pota"/>
+        <a:font script="Mong" typeface="Mongolian Baiti"/>
+        <a:font script="Viet" typeface="Arial"/>
+        <a:font script="Uigh" typeface="Microsoft Uighur"/>
+        <a:font script="Geor" typeface="Sylfaen"/>
       </a:minorFont>
     </a:fontScheme>
     <a:fmtScheme name="Office">
